--- a/modules/user-group-hello-world/ARIADNE-liferay-user-group.pptx
+++ b/modules/user-group-hello-world/ARIADNE-liferay-user-group.pptx
@@ -1122,7 +1122,7 @@
   <p:cSld>
     <p:spTree>
       <p:nvGrpSpPr>
-        <p:cNvPr id="180" name="Shape 180"/>
+        <p:cNvPr id="200" name="Shape 200"/>
         <p:cNvGrpSpPr/>
         <p:nvPr/>
       </p:nvGrpSpPr>
@@ -1136,7 +1136,7 @@
       </p:grpSpPr>
       <p:sp>
         <p:nvSpPr>
-          <p:cNvPr id="181" name="Shape 181"/>
+          <p:cNvPr id="201" name="Shape 201"/>
           <p:cNvSpPr/>
           <p:nvPr>
             <p:ph idx="2" type="sldImg"/>
@@ -1170,7 +1170,7 @@
       </p:sp>
       <p:sp>
         <p:nvSpPr>
-          <p:cNvPr id="182" name="Shape 182"/>
+          <p:cNvPr id="202" name="Shape 202"/>
           <p:cNvSpPr txBox="1"/>
           <p:nvPr>
             <p:ph idx="1" type="body"/>
@@ -1206,7 +1206,7 @@
       </p:sp>
       <p:sp>
         <p:nvSpPr>
-          <p:cNvPr id="183" name="Shape 183"/>
+          <p:cNvPr id="203" name="Shape 203"/>
           <p:cNvSpPr txBox="1"/>
           <p:nvPr>
             <p:ph idx="12" type="sldNum"/>
@@ -1253,7 +1253,7 @@
   <p:cSld>
     <p:spTree>
       <p:nvGrpSpPr>
-        <p:cNvPr id="116" name="Shape 116"/>
+        <p:cNvPr id="120" name="Shape 120"/>
         <p:cNvGrpSpPr/>
         <p:nvPr/>
       </p:nvGrpSpPr>
@@ -1267,7 +1267,7 @@
       </p:grpSpPr>
       <p:sp>
         <p:nvSpPr>
-          <p:cNvPr id="117" name="Shape 117"/>
+          <p:cNvPr id="121" name="Shape 121"/>
           <p:cNvSpPr/>
           <p:nvPr>
             <p:ph idx="2" type="sldImg"/>
@@ -1301,7 +1301,7 @@
       </p:sp>
       <p:sp>
         <p:nvSpPr>
-          <p:cNvPr id="118" name="Shape 118"/>
+          <p:cNvPr id="122" name="Shape 122"/>
           <p:cNvSpPr txBox="1"/>
           <p:nvPr>
             <p:ph idx="1" type="body"/>
@@ -1337,7 +1337,7 @@
       </p:sp>
       <p:sp>
         <p:nvSpPr>
-          <p:cNvPr id="119" name="Shape 119"/>
+          <p:cNvPr id="123" name="Shape 123"/>
           <p:cNvSpPr txBox="1"/>
           <p:nvPr>
             <p:ph idx="12" type="sldNum"/>
@@ -1389,7 +1389,7 @@
   <p:cSld>
     <p:spTree>
       <p:nvGrpSpPr>
-        <p:cNvPr id="124" name="Shape 124"/>
+        <p:cNvPr id="130" name="Shape 130"/>
         <p:cNvGrpSpPr/>
         <p:nvPr/>
       </p:nvGrpSpPr>
@@ -1403,7 +1403,7 @@
       </p:grpSpPr>
       <p:sp>
         <p:nvSpPr>
-          <p:cNvPr id="125" name="Shape 125"/>
+          <p:cNvPr id="131" name="Shape 131"/>
           <p:cNvSpPr/>
           <p:nvPr>
             <p:ph idx="2" type="sldImg"/>
@@ -1437,7 +1437,7 @@
       </p:sp>
       <p:sp>
         <p:nvSpPr>
-          <p:cNvPr id="126" name="Shape 126"/>
+          <p:cNvPr id="132" name="Shape 132"/>
           <p:cNvSpPr txBox="1"/>
           <p:nvPr>
             <p:ph idx="1" type="body"/>
@@ -1473,7 +1473,7 @@
       </p:sp>
       <p:sp>
         <p:nvSpPr>
-          <p:cNvPr id="127" name="Shape 127"/>
+          <p:cNvPr id="133" name="Shape 133"/>
           <p:cNvSpPr txBox="1"/>
           <p:nvPr>
             <p:ph idx="12" type="sldNum"/>
@@ -1516,142 +1516,6 @@
 </file>
 
 <file path=ppt/notesSlides/notesSlide4.xml><?xml version="1.0" encoding="utf-8"?>
-<p:notes xmlns:a="http://schemas.openxmlformats.org/drawingml/2006/main" xmlns:r="http://schemas.openxmlformats.org/officeDocument/2006/relationships" xmlns:mc="http://schemas.openxmlformats.org/markup-compatibility/2006" xmlns:mv="urn:schemas-microsoft-com:mac:vml" xmlns:p="http://schemas.openxmlformats.org/presentationml/2006/main" xmlns:c="http://schemas.openxmlformats.org/drawingml/2006/chart" xmlns:dgm="http://schemas.openxmlformats.org/drawingml/2006/diagram" xmlns:o="urn:schemas-microsoft-com:office:office" xmlns:v="urn:schemas-microsoft-com:vml" xmlns:pvml="urn:schemas-microsoft-com:office:powerpoint" xmlns:com="http://schemas.openxmlformats.org/drawingml/2006/compatibility" xmlns:p14="http://schemas.microsoft.com/office/powerpoint/2010/main" xmlns:p15="http://schemas.microsoft.com/office/powerpoint/2012/main" showMasterPhAnim="0" showMasterSp="0">
-  <p:cSld>
-    <p:spTree>
-      <p:nvGrpSpPr>
-        <p:cNvPr id="132" name="Shape 132"/>
-        <p:cNvGrpSpPr/>
-        <p:nvPr/>
-      </p:nvGrpSpPr>
-      <p:grpSpPr>
-        <a:xfrm>
-          <a:off x="0" y="0"/>
-          <a:ext cx="0" cy="0"/>
-          <a:chOff x="0" y="0"/>
-          <a:chExt cx="0" cy="0"/>
-        </a:xfrm>
-      </p:grpSpPr>
-      <p:sp>
-        <p:nvSpPr>
-          <p:cNvPr id="133" name="Shape 133"/>
-          <p:cNvSpPr/>
-          <p:nvPr>
-            <p:ph idx="2" type="sldImg"/>
-          </p:nvPr>
-        </p:nvSpPr>
-        <p:spPr>
-          <a:xfrm>
-            <a:off x="990600" y="766762"/>
-            <a:ext cx="5118000" cy="3838500"/>
-          </a:xfrm>
-          <a:custGeom>
-            <a:pathLst>
-              <a:path extrusionOk="0" h="120000" w="120000">
-                <a:moveTo>
-                  <a:pt x="0" y="0"/>
-                </a:moveTo>
-                <a:lnTo>
-                  <a:pt x="120000" y="0"/>
-                </a:lnTo>
-                <a:lnTo>
-                  <a:pt x="120000" y="120000"/>
-                </a:lnTo>
-                <a:lnTo>
-                  <a:pt x="0" y="120000"/>
-                </a:lnTo>
-                <a:close/>
-              </a:path>
-            </a:pathLst>
-          </a:custGeom>
-        </p:spPr>
-      </p:sp>
-      <p:sp>
-        <p:nvSpPr>
-          <p:cNvPr id="134" name="Shape 134"/>
-          <p:cNvSpPr txBox="1"/>
-          <p:nvPr>
-            <p:ph idx="1" type="body"/>
-          </p:nvPr>
-        </p:nvSpPr>
-        <p:spPr>
-          <a:xfrm>
-            <a:off x="709931" y="4861442"/>
-            <a:ext cx="5679300" cy="4605600"/>
-          </a:xfrm>
-          <a:prstGeom prst="rect">
-            <a:avLst/>
-          </a:prstGeom>
-        </p:spPr>
-        <p:txBody>
-          <a:bodyPr anchorCtr="0" anchor="t" bIns="91425" lIns="91425" rIns="91425" wrap="square" tIns="91425">
-            <a:noAutofit/>
-          </a:bodyPr>
-          <a:lstStyle/>
-          <a:p>
-            <a:pPr lvl="0">
-              <a:spcBef>
-                <a:spcPts val="0"/>
-              </a:spcBef>
-              <a:buNone/>
-            </a:pPr>
-            <a:r>
-              <a:t/>
-            </a:r>
-            <a:endParaRPr/>
-          </a:p>
-        </p:txBody>
-      </p:sp>
-      <p:sp>
-        <p:nvSpPr>
-          <p:cNvPr id="135" name="Shape 135"/>
-          <p:cNvSpPr txBox="1"/>
-          <p:nvPr>
-            <p:ph idx="12" type="sldNum"/>
-          </p:nvPr>
-        </p:nvSpPr>
-        <p:spPr>
-          <a:xfrm>
-            <a:off x="4021292" y="9721106"/>
-            <a:ext cx="3076500" cy="511800"/>
-          </a:xfrm>
-          <a:prstGeom prst="rect">
-            <a:avLst/>
-          </a:prstGeom>
-        </p:spPr>
-        <p:txBody>
-          <a:bodyPr anchorCtr="0" anchor="b" bIns="49500" lIns="99025" rIns="99025" wrap="square" tIns="49500">
-            <a:noAutofit/>
-          </a:bodyPr>
-          <a:lstStyle/>
-          <a:p>
-            <a:pPr lvl="0">
-              <a:spcBef>
-                <a:spcPts val="0"/>
-              </a:spcBef>
-              <a:buClr>
-                <a:srgbClr val="000000"/>
-              </a:buClr>
-              <a:buSzPct val="25000"/>
-              <a:buFont typeface="Arial"/>
-              <a:buNone/>
-            </a:pPr>
-            <a:fld id="{00000000-1234-1234-1234-123412341234}" type="slidenum">
-              <a:rPr lang="it-IT"/>
-              <a:t>‹#›</a:t>
-            </a:fld>
-          </a:p>
-        </p:txBody>
-      </p:sp>
-    </p:spTree>
-  </p:cSld>
-  <p:clrMapOvr>
-    <a:masterClrMapping/>
-  </p:clrMapOvr>
-</p:notes>
-</file>
-
-<file path=ppt/notesSlides/notesSlide5.xml><?xml version="1.0" encoding="utf-8"?>
 <p:notes xmlns:a="http://schemas.openxmlformats.org/drawingml/2006/main" xmlns:r="http://schemas.openxmlformats.org/officeDocument/2006/relationships" xmlns:mc="http://schemas.openxmlformats.org/markup-compatibility/2006" xmlns:mv="urn:schemas-microsoft-com:mac:vml" xmlns:p="http://schemas.openxmlformats.org/presentationml/2006/main" xmlns:c="http://schemas.openxmlformats.org/drawingml/2006/chart" xmlns:dgm="http://schemas.openxmlformats.org/drawingml/2006/diagram" xmlns:o="urn:schemas-microsoft-com:office:office" xmlns:v="urn:schemas-microsoft-com:vml" xmlns:pvml="urn:schemas-microsoft-com:office:powerpoint" xmlns:com="http://schemas.openxmlformats.org/drawingml/2006/compatibility" xmlns:p14="http://schemas.microsoft.com/office/powerpoint/2010/main" xmlns:p15="http://schemas.microsoft.com/office/powerpoint/2012/main" showMasterPhAnim="0" showMasterSp="0">
   <p:cSld>
     <p:spTree>
@@ -1725,7 +1589,7 @@
           </a:bodyPr>
           <a:lstStyle/>
           <a:p>
-            <a:pPr lvl="0" rtl="0">
+            <a:pPr lvl="0">
               <a:spcBef>
                 <a:spcPts val="0"/>
               </a:spcBef>
@@ -1761,10 +1625,15 @@
           </a:bodyPr>
           <a:lstStyle/>
           <a:p>
-            <a:pPr lvl="0" rtl="0">
-              <a:spcBef>
-                <a:spcPts val="0"/>
-              </a:spcBef>
+            <a:pPr lvl="0">
+              <a:spcBef>
+                <a:spcPts val="0"/>
+              </a:spcBef>
+              <a:buClr>
+                <a:srgbClr val="000000"/>
+              </a:buClr>
+              <a:buSzPct val="25000"/>
+              <a:buFont typeface="Arial"/>
               <a:buNone/>
             </a:pPr>
             <a:fld id="{00000000-1234-1234-1234-123412341234}" type="slidenum">
@@ -1782,12 +1651,12 @@
 </p:notes>
 </file>
 
-<file path=ppt/notesSlides/notesSlide6.xml><?xml version="1.0" encoding="utf-8"?>
+<file path=ppt/notesSlides/notesSlide5.xml><?xml version="1.0" encoding="utf-8"?>
 <p:notes xmlns:a="http://schemas.openxmlformats.org/drawingml/2006/main" xmlns:r="http://schemas.openxmlformats.org/officeDocument/2006/relationships" xmlns:mc="http://schemas.openxmlformats.org/markup-compatibility/2006" xmlns:mv="urn:schemas-microsoft-com:mac:vml" xmlns:p="http://schemas.openxmlformats.org/presentationml/2006/main" xmlns:c="http://schemas.openxmlformats.org/drawingml/2006/chart" xmlns:dgm="http://schemas.openxmlformats.org/drawingml/2006/diagram" xmlns:o="urn:schemas-microsoft-com:office:office" xmlns:v="urn:schemas-microsoft-com:vml" xmlns:pvml="urn:schemas-microsoft-com:office:powerpoint" xmlns:com="http://schemas.openxmlformats.org/drawingml/2006/compatibility" xmlns:p14="http://schemas.microsoft.com/office/powerpoint/2010/main" xmlns:p15="http://schemas.microsoft.com/office/powerpoint/2012/main" showMasterPhAnim="0" showMasterSp="0">
   <p:cSld>
     <p:spTree>
       <p:nvGrpSpPr>
-        <p:cNvPr id="148" name="Shape 148"/>
+        <p:cNvPr id="150" name="Shape 150"/>
         <p:cNvGrpSpPr/>
         <p:nvPr/>
       </p:nvGrpSpPr>
@@ -1801,7 +1670,7 @@
       </p:grpSpPr>
       <p:sp>
         <p:nvSpPr>
-          <p:cNvPr id="149" name="Shape 149"/>
+          <p:cNvPr id="151" name="Shape 151"/>
           <p:cNvSpPr/>
           <p:nvPr>
             <p:ph idx="2" type="sldImg"/>
@@ -1835,7 +1704,7 @@
       </p:sp>
       <p:sp>
         <p:nvSpPr>
-          <p:cNvPr id="150" name="Shape 150"/>
+          <p:cNvPr id="152" name="Shape 152"/>
           <p:cNvSpPr txBox="1"/>
           <p:nvPr>
             <p:ph idx="1" type="body"/>
@@ -1871,7 +1740,7 @@
       </p:sp>
       <p:sp>
         <p:nvSpPr>
-          <p:cNvPr id="151" name="Shape 151"/>
+          <p:cNvPr id="153" name="Shape 153"/>
           <p:cNvSpPr txBox="1"/>
           <p:nvPr>
             <p:ph idx="12" type="sldNum"/>
@@ -1913,12 +1782,12 @@
 </p:notes>
 </file>
 
-<file path=ppt/notesSlides/notesSlide7.xml><?xml version="1.0" encoding="utf-8"?>
+<file path=ppt/notesSlides/notesSlide6.xml><?xml version="1.0" encoding="utf-8"?>
 <p:notes xmlns:a="http://schemas.openxmlformats.org/drawingml/2006/main" xmlns:r="http://schemas.openxmlformats.org/officeDocument/2006/relationships" xmlns:mc="http://schemas.openxmlformats.org/markup-compatibility/2006" xmlns:mv="urn:schemas-microsoft-com:mac:vml" xmlns:p="http://schemas.openxmlformats.org/presentationml/2006/main" xmlns:c="http://schemas.openxmlformats.org/drawingml/2006/chart" xmlns:dgm="http://schemas.openxmlformats.org/drawingml/2006/diagram" xmlns:o="urn:schemas-microsoft-com:office:office" xmlns:v="urn:schemas-microsoft-com:vml" xmlns:pvml="urn:schemas-microsoft-com:office:powerpoint" xmlns:com="http://schemas.openxmlformats.org/drawingml/2006/compatibility" xmlns:p14="http://schemas.microsoft.com/office/powerpoint/2010/main" xmlns:p15="http://schemas.microsoft.com/office/powerpoint/2012/main" showMasterPhAnim="0" showMasterSp="0">
   <p:cSld>
     <p:spTree>
       <p:nvGrpSpPr>
-        <p:cNvPr id="156" name="Shape 156"/>
+        <p:cNvPr id="160" name="Shape 160"/>
         <p:cNvGrpSpPr/>
         <p:nvPr/>
       </p:nvGrpSpPr>
@@ -1932,7 +1801,7 @@
       </p:grpSpPr>
       <p:sp>
         <p:nvSpPr>
-          <p:cNvPr id="157" name="Shape 157"/>
+          <p:cNvPr id="161" name="Shape 161"/>
           <p:cNvSpPr/>
           <p:nvPr>
             <p:ph idx="2" type="sldImg"/>
@@ -1966,7 +1835,7 @@
       </p:sp>
       <p:sp>
         <p:nvSpPr>
-          <p:cNvPr id="158" name="Shape 158"/>
+          <p:cNvPr id="162" name="Shape 162"/>
           <p:cNvSpPr txBox="1"/>
           <p:nvPr>
             <p:ph idx="1" type="body"/>
@@ -2002,7 +1871,7 @@
       </p:sp>
       <p:sp>
         <p:nvSpPr>
-          <p:cNvPr id="159" name="Shape 159"/>
+          <p:cNvPr id="163" name="Shape 163"/>
           <p:cNvSpPr txBox="1"/>
           <p:nvPr>
             <p:ph idx="12" type="sldNum"/>
@@ -2044,12 +1913,12 @@
 </p:notes>
 </file>
 
-<file path=ppt/notesSlides/notesSlide8.xml><?xml version="1.0" encoding="utf-8"?>
+<file path=ppt/notesSlides/notesSlide7.xml><?xml version="1.0" encoding="utf-8"?>
 <p:notes xmlns:a="http://schemas.openxmlformats.org/drawingml/2006/main" xmlns:r="http://schemas.openxmlformats.org/officeDocument/2006/relationships" xmlns:mc="http://schemas.openxmlformats.org/markup-compatibility/2006" xmlns:mv="urn:schemas-microsoft-com:mac:vml" xmlns:p="http://schemas.openxmlformats.org/presentationml/2006/main" xmlns:c="http://schemas.openxmlformats.org/drawingml/2006/chart" xmlns:dgm="http://schemas.openxmlformats.org/drawingml/2006/diagram" xmlns:o="urn:schemas-microsoft-com:office:office" xmlns:v="urn:schemas-microsoft-com:vml" xmlns:pvml="urn:schemas-microsoft-com:office:powerpoint" xmlns:com="http://schemas.openxmlformats.org/drawingml/2006/compatibility" xmlns:p14="http://schemas.microsoft.com/office/powerpoint/2010/main" xmlns:p15="http://schemas.microsoft.com/office/powerpoint/2012/main" showMasterPhAnim="0" showMasterSp="0">
   <p:cSld>
     <p:spTree>
       <p:nvGrpSpPr>
-        <p:cNvPr id="164" name="Shape 164"/>
+        <p:cNvPr id="170" name="Shape 170"/>
         <p:cNvGrpSpPr/>
         <p:nvPr/>
       </p:nvGrpSpPr>
@@ -2063,7 +1932,7 @@
       </p:grpSpPr>
       <p:sp>
         <p:nvSpPr>
-          <p:cNvPr id="165" name="Shape 165"/>
+          <p:cNvPr id="171" name="Shape 171"/>
           <p:cNvSpPr/>
           <p:nvPr>
             <p:ph idx="2" type="sldImg"/>
@@ -2097,7 +1966,7 @@
       </p:sp>
       <p:sp>
         <p:nvSpPr>
-          <p:cNvPr id="166" name="Shape 166"/>
+          <p:cNvPr id="172" name="Shape 172"/>
           <p:cNvSpPr txBox="1"/>
           <p:nvPr>
             <p:ph idx="1" type="body"/>
@@ -2133,7 +2002,7 @@
       </p:sp>
       <p:sp>
         <p:nvSpPr>
-          <p:cNvPr id="167" name="Shape 167"/>
+          <p:cNvPr id="173" name="Shape 173"/>
           <p:cNvSpPr txBox="1"/>
           <p:nvPr>
             <p:ph idx="12" type="sldNum"/>
@@ -2175,12 +2044,12 @@
 </p:notes>
 </file>
 
-<file path=ppt/notesSlides/notesSlide9.xml><?xml version="1.0" encoding="utf-8"?>
+<file path=ppt/notesSlides/notesSlide8.xml><?xml version="1.0" encoding="utf-8"?>
 <p:notes xmlns:a="http://schemas.openxmlformats.org/drawingml/2006/main" xmlns:r="http://schemas.openxmlformats.org/officeDocument/2006/relationships" xmlns:mc="http://schemas.openxmlformats.org/markup-compatibility/2006" xmlns:mv="urn:schemas-microsoft-com:mac:vml" xmlns:p="http://schemas.openxmlformats.org/presentationml/2006/main" xmlns:c="http://schemas.openxmlformats.org/drawingml/2006/chart" xmlns:dgm="http://schemas.openxmlformats.org/drawingml/2006/diagram" xmlns:o="urn:schemas-microsoft-com:office:office" xmlns:v="urn:schemas-microsoft-com:vml" xmlns:pvml="urn:schemas-microsoft-com:office:powerpoint" xmlns:com="http://schemas.openxmlformats.org/drawingml/2006/compatibility" xmlns:p14="http://schemas.microsoft.com/office/powerpoint/2010/main" xmlns:p15="http://schemas.microsoft.com/office/powerpoint/2012/main" showMasterPhAnim="0" showMasterSp="0">
   <p:cSld>
     <p:spTree>
       <p:nvGrpSpPr>
-        <p:cNvPr id="172" name="Shape 172"/>
+        <p:cNvPr id="180" name="Shape 180"/>
         <p:cNvGrpSpPr/>
         <p:nvPr/>
       </p:nvGrpSpPr>
@@ -2194,7 +2063,7 @@
       </p:grpSpPr>
       <p:sp>
         <p:nvSpPr>
-          <p:cNvPr id="173" name="Shape 173"/>
+          <p:cNvPr id="181" name="Shape 181"/>
           <p:cNvSpPr/>
           <p:nvPr>
             <p:ph idx="2" type="sldImg"/>
@@ -2228,7 +2097,7 @@
       </p:sp>
       <p:sp>
         <p:nvSpPr>
-          <p:cNvPr id="174" name="Shape 174"/>
+          <p:cNvPr id="182" name="Shape 182"/>
           <p:cNvSpPr txBox="1"/>
           <p:nvPr>
             <p:ph idx="1" type="body"/>
@@ -2264,7 +2133,138 @@
       </p:sp>
       <p:sp>
         <p:nvSpPr>
-          <p:cNvPr id="175" name="Shape 175"/>
+          <p:cNvPr id="183" name="Shape 183"/>
+          <p:cNvSpPr txBox="1"/>
+          <p:nvPr>
+            <p:ph idx="12" type="sldNum"/>
+          </p:nvPr>
+        </p:nvSpPr>
+        <p:spPr>
+          <a:xfrm>
+            <a:off x="4021292" y="9721106"/>
+            <a:ext cx="3076500" cy="511800"/>
+          </a:xfrm>
+          <a:prstGeom prst="rect">
+            <a:avLst/>
+          </a:prstGeom>
+        </p:spPr>
+        <p:txBody>
+          <a:bodyPr anchorCtr="0" anchor="b" bIns="49500" lIns="99025" rIns="99025" wrap="square" tIns="49500">
+            <a:noAutofit/>
+          </a:bodyPr>
+          <a:lstStyle/>
+          <a:p>
+            <a:pPr lvl="0" rtl="0">
+              <a:spcBef>
+                <a:spcPts val="0"/>
+              </a:spcBef>
+              <a:buNone/>
+            </a:pPr>
+            <a:fld id="{00000000-1234-1234-1234-123412341234}" type="slidenum">
+              <a:rPr lang="it-IT"/>
+              <a:t>‹#›</a:t>
+            </a:fld>
+          </a:p>
+        </p:txBody>
+      </p:sp>
+    </p:spTree>
+  </p:cSld>
+  <p:clrMapOvr>
+    <a:masterClrMapping/>
+  </p:clrMapOvr>
+</p:notes>
+</file>
+
+<file path=ppt/notesSlides/notesSlide9.xml><?xml version="1.0" encoding="utf-8"?>
+<p:notes xmlns:a="http://schemas.openxmlformats.org/drawingml/2006/main" xmlns:r="http://schemas.openxmlformats.org/officeDocument/2006/relationships" xmlns:mc="http://schemas.openxmlformats.org/markup-compatibility/2006" xmlns:mv="urn:schemas-microsoft-com:mac:vml" xmlns:p="http://schemas.openxmlformats.org/presentationml/2006/main" xmlns:c="http://schemas.openxmlformats.org/drawingml/2006/chart" xmlns:dgm="http://schemas.openxmlformats.org/drawingml/2006/diagram" xmlns:o="urn:schemas-microsoft-com:office:office" xmlns:v="urn:schemas-microsoft-com:vml" xmlns:pvml="urn:schemas-microsoft-com:office:powerpoint" xmlns:com="http://schemas.openxmlformats.org/drawingml/2006/compatibility" xmlns:p14="http://schemas.microsoft.com/office/powerpoint/2010/main" xmlns:p15="http://schemas.microsoft.com/office/powerpoint/2012/main" showMasterPhAnim="0" showMasterSp="0">
+  <p:cSld>
+    <p:spTree>
+      <p:nvGrpSpPr>
+        <p:cNvPr id="190" name="Shape 190"/>
+        <p:cNvGrpSpPr/>
+        <p:nvPr/>
+      </p:nvGrpSpPr>
+      <p:grpSpPr>
+        <a:xfrm>
+          <a:off x="0" y="0"/>
+          <a:ext cx="0" cy="0"/>
+          <a:chOff x="0" y="0"/>
+          <a:chExt cx="0" cy="0"/>
+        </a:xfrm>
+      </p:grpSpPr>
+      <p:sp>
+        <p:nvSpPr>
+          <p:cNvPr id="191" name="Shape 191"/>
+          <p:cNvSpPr/>
+          <p:nvPr>
+            <p:ph idx="2" type="sldImg"/>
+          </p:nvPr>
+        </p:nvSpPr>
+        <p:spPr>
+          <a:xfrm>
+            <a:off x="990600" y="766762"/>
+            <a:ext cx="5118000" cy="3838500"/>
+          </a:xfrm>
+          <a:custGeom>
+            <a:pathLst>
+              <a:path extrusionOk="0" h="120000" w="120000">
+                <a:moveTo>
+                  <a:pt x="0" y="0"/>
+                </a:moveTo>
+                <a:lnTo>
+                  <a:pt x="120000" y="0"/>
+                </a:lnTo>
+                <a:lnTo>
+                  <a:pt x="120000" y="120000"/>
+                </a:lnTo>
+                <a:lnTo>
+                  <a:pt x="0" y="120000"/>
+                </a:lnTo>
+                <a:close/>
+              </a:path>
+            </a:pathLst>
+          </a:custGeom>
+        </p:spPr>
+      </p:sp>
+      <p:sp>
+        <p:nvSpPr>
+          <p:cNvPr id="192" name="Shape 192"/>
+          <p:cNvSpPr txBox="1"/>
+          <p:nvPr>
+            <p:ph idx="1" type="body"/>
+          </p:nvPr>
+        </p:nvSpPr>
+        <p:spPr>
+          <a:xfrm>
+            <a:off x="709931" y="4861442"/>
+            <a:ext cx="5679300" cy="4605600"/>
+          </a:xfrm>
+          <a:prstGeom prst="rect">
+            <a:avLst/>
+          </a:prstGeom>
+        </p:spPr>
+        <p:txBody>
+          <a:bodyPr anchorCtr="0" anchor="t" bIns="91425" lIns="91425" rIns="91425" wrap="square" tIns="91425">
+            <a:noAutofit/>
+          </a:bodyPr>
+          <a:lstStyle/>
+          <a:p>
+            <a:pPr lvl="0" rtl="0">
+              <a:spcBef>
+                <a:spcPts val="0"/>
+              </a:spcBef>
+              <a:buNone/>
+            </a:pPr>
+            <a:r>
+              <a:t/>
+            </a:r>
+            <a:endParaRPr/>
+          </a:p>
+        </p:txBody>
+      </p:sp>
+      <p:sp>
+        <p:nvSpPr>
+          <p:cNvPr id="193" name="Shape 193"/>
           <p:cNvSpPr txBox="1"/>
           <p:nvPr>
             <p:ph idx="12" type="sldNum"/>
@@ -10169,6 +10169,158 @@
           </a:p>
         </p:txBody>
       </p:sp>
+      <p:pic>
+        <p:nvPicPr>
+          <p:cNvPr descr="liferay_reelNewLogo.jpg" id="116" name="Shape 116"/>
+          <p:cNvPicPr preferRelativeResize="0"/>
+          <p:nvPr/>
+        </p:nvPicPr>
+        <p:blipFill>
+          <a:blip r:embed="rId3">
+            <a:alphaModFix/>
+          </a:blip>
+          <a:stretch>
+            <a:fillRect/>
+          </a:stretch>
+        </p:blipFill>
+        <p:spPr>
+          <a:xfrm>
+            <a:off x="0" y="0"/>
+            <a:ext cx="9143999" cy="1688225"/>
+          </a:xfrm>
+          <a:prstGeom prst="rect">
+            <a:avLst/>
+          </a:prstGeom>
+          <a:noFill/>
+          <a:ln>
+            <a:noFill/>
+          </a:ln>
+        </p:spPr>
+      </p:pic>
+      <p:sp>
+        <p:nvSpPr>
+          <p:cNvPr id="117" name="Shape 117"/>
+          <p:cNvSpPr txBox="1"/>
+          <p:nvPr/>
+        </p:nvSpPr>
+        <p:spPr>
+          <a:xfrm>
+            <a:off x="133825" y="207812"/>
+            <a:ext cx="3696600" cy="1071900"/>
+          </a:xfrm>
+          <a:prstGeom prst="rect">
+            <a:avLst/>
+          </a:prstGeom>
+          <a:noFill/>
+          <a:ln>
+            <a:noFill/>
+          </a:ln>
+        </p:spPr>
+        <p:txBody>
+          <a:bodyPr anchorCtr="0" anchor="t" bIns="91425" lIns="91425" rIns="91425" wrap="square" tIns="91425">
+            <a:noAutofit/>
+          </a:bodyPr>
+          <a:lstStyle/>
+          <a:p>
+            <a:pPr lvl="0">
+              <a:spcBef>
+                <a:spcPts val="0"/>
+              </a:spcBef>
+              <a:buNone/>
+            </a:pPr>
+            <a:r>
+              <a:rPr b="1" lang="it-IT" sz="2400">
+                <a:solidFill>
+                  <a:srgbClr val="FFFFFF"/>
+                </a:solidFill>
+              </a:rPr>
+              <a:t>Liferay User Group Italy </a:t>
+            </a:r>
+          </a:p>
+          <a:p>
+            <a:pPr lvl="0">
+              <a:spcBef>
+                <a:spcPts val="0"/>
+              </a:spcBef>
+              <a:buNone/>
+            </a:pPr>
+            <a:r>
+              <a:rPr b="1" lang="it-IT" sz="2400">
+                <a:solidFill>
+                  <a:srgbClr val="FFFFFF"/>
+                </a:solidFill>
+              </a:rPr>
+              <a:t>#LRUGItaly</a:t>
+            </a:r>
+          </a:p>
+        </p:txBody>
+      </p:sp>
+      <p:pic>
+        <p:nvPicPr>
+          <p:cNvPr descr="2014_liferay_logo.png" id="118" name="Shape 118"/>
+          <p:cNvPicPr preferRelativeResize="0"/>
+          <p:nvPr/>
+        </p:nvPicPr>
+        <p:blipFill>
+          <a:blip r:embed="rId4">
+            <a:alphaModFix/>
+          </a:blip>
+          <a:stretch>
+            <a:fillRect/>
+          </a:stretch>
+        </p:blipFill>
+        <p:spPr>
+          <a:xfrm>
+            <a:off x="3126662" y="6078500"/>
+            <a:ext cx="2888176" cy="662424"/>
+          </a:xfrm>
+          <a:prstGeom prst="rect">
+            <a:avLst/>
+          </a:prstGeom>
+          <a:noFill/>
+          <a:ln>
+            <a:noFill/>
+          </a:ln>
+        </p:spPr>
+      </p:pic>
+      <p:sp>
+        <p:nvSpPr>
+          <p:cNvPr id="119" name="Shape 119"/>
+          <p:cNvSpPr txBox="1"/>
+          <p:nvPr/>
+        </p:nvSpPr>
+        <p:spPr>
+          <a:xfrm>
+            <a:off x="0" y="0"/>
+            <a:ext cx="3000000" cy="3000000"/>
+          </a:xfrm>
+          <a:prstGeom prst="rect">
+            <a:avLst/>
+          </a:prstGeom>
+          <a:noFill/>
+          <a:ln>
+            <a:noFill/>
+          </a:ln>
+        </p:spPr>
+        <p:txBody>
+          <a:bodyPr anchorCtr="0" anchor="ctr" bIns="91425" lIns="91425" rIns="91425" wrap="square" tIns="91425">
+            <a:noAutofit/>
+          </a:bodyPr>
+          <a:lstStyle/>
+          <a:p>
+            <a:pPr lvl="0" rtl="0">
+              <a:spcBef>
+                <a:spcPts val="0"/>
+              </a:spcBef>
+              <a:buNone/>
+            </a:pPr>
+            <a:r>
+              <a:rPr lang="it-IT"/>
+              <a:t> </a:t>
+            </a:r>
+          </a:p>
+        </p:txBody>
+      </p:sp>
     </p:spTree>
   </p:cSld>
   <p:clrMapOvr>
@@ -10182,7 +10334,7 @@
   <p:cSld>
     <p:spTree>
       <p:nvGrpSpPr>
-        <p:cNvPr id="184" name="Shape 184"/>
+        <p:cNvPr id="204" name="Shape 204"/>
         <p:cNvGrpSpPr/>
         <p:nvPr/>
       </p:nvGrpSpPr>
@@ -10196,7 +10348,7 @@
       </p:grpSpPr>
       <p:sp>
         <p:nvSpPr>
-          <p:cNvPr id="185" name="Shape 185"/>
+          <p:cNvPr id="205" name="Shape 205"/>
           <p:cNvSpPr txBox="1"/>
           <p:nvPr>
             <p:ph idx="1" type="subTitle"/>
@@ -10330,7 +10482,7 @@
       </p:sp>
       <p:sp>
         <p:nvSpPr>
-          <p:cNvPr id="186" name="Shape 186"/>
+          <p:cNvPr id="206" name="Shape 206"/>
           <p:cNvSpPr txBox="1"/>
           <p:nvPr>
             <p:ph idx="12" type="sldNum"/>
@@ -10366,7 +10518,7 @@
       </p:sp>
       <p:sp>
         <p:nvSpPr>
-          <p:cNvPr id="187" name="Shape 187"/>
+          <p:cNvPr id="207" name="Shape 207"/>
           <p:cNvSpPr txBox="1"/>
           <p:nvPr>
             <p:ph type="ctrTitle"/>
@@ -10380,6 +10532,9 @@
           <a:prstGeom prst="rect">
             <a:avLst/>
           </a:prstGeom>
+          <a:solidFill>
+            <a:srgbClr val="4A86E8"/>
+          </a:solidFill>
         </p:spPr>
         <p:txBody>
           <a:bodyPr anchorCtr="0" anchor="ctr" bIns="91425" lIns="91425" rIns="91425" wrap="square" tIns="91425">
@@ -10387,6 +10542,18 @@
           </a:bodyPr>
           <a:lstStyle/>
           <a:p>
+            <a:pPr lvl="0">
+              <a:spcBef>
+                <a:spcPts val="0"/>
+              </a:spcBef>
+              <a:buNone/>
+            </a:pPr>
+            <a:r>
+              <a:rPr lang="it-IT" sz="4800"/>
+              <a:t>Riferimenti di </a:t>
+            </a:r>
+          </a:p>
+          <a:p>
             <a:pPr lvl="0" rtl="0">
               <a:spcBef>
                 <a:spcPts val="0"/>
@@ -10395,14 +10562,14 @@
             </a:pPr>
             <a:r>
               <a:rPr lang="it-IT" sz="4800"/>
-              <a:t>Riferimenti di Simone</a:t>
+              <a:t>Simone</a:t>
             </a:r>
           </a:p>
         </p:txBody>
       </p:sp>
       <p:pic>
         <p:nvPicPr>
-          <p:cNvPr descr="primopiano.jpg" id="188" name="Shape 188"/>
+          <p:cNvPr descr="primopiano.jpg" id="208" name="Shape 208"/>
           <p:cNvPicPr preferRelativeResize="0"/>
           <p:nvPr/>
         </p:nvPicPr>
@@ -10418,6 +10585,84 @@
           <a:xfrm>
             <a:off x="5826447" y="2260675"/>
             <a:ext cx="2622450" cy="2336648"/>
+          </a:xfrm>
+          <a:prstGeom prst="rect">
+            <a:avLst/>
+          </a:prstGeom>
+          <a:noFill/>
+          <a:ln>
+            <a:noFill/>
+          </a:ln>
+        </p:spPr>
+      </p:pic>
+      <p:sp>
+        <p:nvSpPr>
+          <p:cNvPr id="209" name="Shape 209"/>
+          <p:cNvSpPr txBox="1"/>
+          <p:nvPr/>
+        </p:nvSpPr>
+        <p:spPr>
+          <a:xfrm>
+            <a:off x="5319150" y="480812"/>
+            <a:ext cx="3696600" cy="1071900"/>
+          </a:xfrm>
+          <a:prstGeom prst="rect">
+            <a:avLst/>
+          </a:prstGeom>
+          <a:noFill/>
+          <a:ln>
+            <a:noFill/>
+          </a:ln>
+        </p:spPr>
+        <p:txBody>
+          <a:bodyPr anchorCtr="0" anchor="t" bIns="91425" lIns="91425" rIns="91425" wrap="square" tIns="91425">
+            <a:noAutofit/>
+          </a:bodyPr>
+          <a:lstStyle/>
+          <a:p>
+            <a:pPr lvl="0" rtl="0">
+              <a:spcBef>
+                <a:spcPts val="0"/>
+              </a:spcBef>
+              <a:buNone/>
+            </a:pPr>
+            <a:r>
+              <a:rPr b="1" lang="it-IT" sz="2400"/>
+              <a:t>Liferay User Group Italy </a:t>
+            </a:r>
+          </a:p>
+          <a:p>
+            <a:pPr lvl="0" rtl="0">
+              <a:spcBef>
+                <a:spcPts val="0"/>
+              </a:spcBef>
+              <a:buNone/>
+            </a:pPr>
+            <a:r>
+              <a:rPr b="1" lang="it-IT" sz="2400"/>
+              <a:t>#LRUGItaly</a:t>
+            </a:r>
+          </a:p>
+        </p:txBody>
+      </p:sp>
+      <p:pic>
+        <p:nvPicPr>
+          <p:cNvPr descr="2014_liferay_logo.png" id="210" name="Shape 210"/>
+          <p:cNvPicPr preferRelativeResize="0"/>
+          <p:nvPr/>
+        </p:nvPicPr>
+        <p:blipFill>
+          <a:blip r:embed="rId6">
+            <a:alphaModFix/>
+          </a:blip>
+          <a:stretch>
+            <a:fillRect/>
+          </a:stretch>
+        </p:blipFill>
+        <p:spPr>
+          <a:xfrm>
+            <a:off x="3126662" y="6078500"/>
+            <a:ext cx="2888176" cy="662424"/>
           </a:xfrm>
           <a:prstGeom prst="rect">
             <a:avLst/>
@@ -10441,7 +10686,7 @@
   <p:cSld>
     <p:spTree>
       <p:nvGrpSpPr>
-        <p:cNvPr id="120" name="Shape 120"/>
+        <p:cNvPr id="124" name="Shape 124"/>
         <p:cNvGrpSpPr/>
         <p:nvPr/>
       </p:nvGrpSpPr>
@@ -10455,7 +10700,7 @@
       </p:grpSpPr>
       <p:sp>
         <p:nvSpPr>
-          <p:cNvPr id="121" name="Shape 121"/>
+          <p:cNvPr id="125" name="Shape 125"/>
           <p:cNvSpPr txBox="1"/>
           <p:nvPr>
             <p:ph idx="12" type="sldNum"/>
@@ -10496,7 +10741,7 @@
       </p:sp>
       <p:sp>
         <p:nvSpPr>
-          <p:cNvPr id="122" name="Shape 122"/>
+          <p:cNvPr id="126" name="Shape 126"/>
           <p:cNvSpPr txBox="1"/>
           <p:nvPr>
             <p:ph type="ctrTitle"/>
@@ -10510,6 +10755,9 @@
           <a:prstGeom prst="rect">
             <a:avLst/>
           </a:prstGeom>
+          <a:solidFill>
+            <a:srgbClr val="4A86E8"/>
+          </a:solidFill>
         </p:spPr>
         <p:txBody>
           <a:bodyPr anchorCtr="0" anchor="ctr" bIns="91425" lIns="91425" rIns="91425" wrap="square" tIns="91425">
@@ -10532,7 +10780,7 @@
       </p:sp>
       <p:sp>
         <p:nvSpPr>
-          <p:cNvPr id="123" name="Shape 123"/>
+          <p:cNvPr id="127" name="Shape 127"/>
           <p:cNvSpPr txBox="1"/>
           <p:nvPr>
             <p:ph idx="1" type="subTitle"/>
@@ -10574,6 +10822,84 @@
           </a:p>
         </p:txBody>
       </p:sp>
+      <p:sp>
+        <p:nvSpPr>
+          <p:cNvPr id="128" name="Shape 128"/>
+          <p:cNvSpPr txBox="1"/>
+          <p:nvPr/>
+        </p:nvSpPr>
+        <p:spPr>
+          <a:xfrm>
+            <a:off x="5319150" y="480812"/>
+            <a:ext cx="3696600" cy="1071900"/>
+          </a:xfrm>
+          <a:prstGeom prst="rect">
+            <a:avLst/>
+          </a:prstGeom>
+          <a:noFill/>
+          <a:ln>
+            <a:noFill/>
+          </a:ln>
+        </p:spPr>
+        <p:txBody>
+          <a:bodyPr anchorCtr="0" anchor="t" bIns="91425" lIns="91425" rIns="91425" wrap="square" tIns="91425">
+            <a:noAutofit/>
+          </a:bodyPr>
+          <a:lstStyle/>
+          <a:p>
+            <a:pPr lvl="0" rtl="0">
+              <a:spcBef>
+                <a:spcPts val="0"/>
+              </a:spcBef>
+              <a:buNone/>
+            </a:pPr>
+            <a:r>
+              <a:rPr b="1" lang="it-IT" sz="2400"/>
+              <a:t>Liferay User Group Italy </a:t>
+            </a:r>
+          </a:p>
+          <a:p>
+            <a:pPr lvl="0" rtl="0">
+              <a:spcBef>
+                <a:spcPts val="0"/>
+              </a:spcBef>
+              <a:buNone/>
+            </a:pPr>
+            <a:r>
+              <a:rPr b="1" lang="it-IT" sz="2400"/>
+              <a:t>#LRUGItaly</a:t>
+            </a:r>
+          </a:p>
+        </p:txBody>
+      </p:sp>
+      <p:pic>
+        <p:nvPicPr>
+          <p:cNvPr descr="2014_liferay_logo.png" id="129" name="Shape 129"/>
+          <p:cNvPicPr preferRelativeResize="0"/>
+          <p:nvPr/>
+        </p:nvPicPr>
+        <p:blipFill>
+          <a:blip r:embed="rId3">
+            <a:alphaModFix/>
+          </a:blip>
+          <a:stretch>
+            <a:fillRect/>
+          </a:stretch>
+        </p:blipFill>
+        <p:spPr>
+          <a:xfrm>
+            <a:off x="3126662" y="6078500"/>
+            <a:ext cx="2888176" cy="662424"/>
+          </a:xfrm>
+          <a:prstGeom prst="rect">
+            <a:avLst/>
+          </a:prstGeom>
+          <a:noFill/>
+          <a:ln>
+            <a:noFill/>
+          </a:ln>
+        </p:spPr>
+      </p:pic>
     </p:spTree>
   </p:cSld>
   <p:clrMapOvr>
@@ -10587,7 +10913,7 @@
   <p:cSld>
     <p:spTree>
       <p:nvGrpSpPr>
-        <p:cNvPr id="128" name="Shape 128"/>
+        <p:cNvPr id="134" name="Shape 134"/>
         <p:cNvGrpSpPr/>
         <p:nvPr/>
       </p:nvGrpSpPr>
@@ -10601,7 +10927,7 @@
       </p:grpSpPr>
       <p:sp>
         <p:nvSpPr>
-          <p:cNvPr id="129" name="Shape 129"/>
+          <p:cNvPr id="135" name="Shape 135"/>
           <p:cNvSpPr txBox="1"/>
           <p:nvPr>
             <p:ph idx="12" type="sldNum"/>
@@ -10637,7 +10963,7 @@
       </p:sp>
       <p:sp>
         <p:nvSpPr>
-          <p:cNvPr id="130" name="Shape 130"/>
+          <p:cNvPr id="136" name="Shape 136"/>
           <p:cNvSpPr txBox="1"/>
           <p:nvPr>
             <p:ph type="ctrTitle"/>
@@ -10651,6 +10977,9 @@
           <a:prstGeom prst="rect">
             <a:avLst/>
           </a:prstGeom>
+          <a:solidFill>
+            <a:srgbClr val="4A86E8"/>
+          </a:solidFill>
         </p:spPr>
         <p:txBody>
           <a:bodyPr anchorCtr="0" anchor="ctr" bIns="91425" lIns="91425" rIns="91425" wrap="square" tIns="91425">
@@ -10666,14 +10995,26 @@
             </a:pPr>
             <a:r>
               <a:rPr lang="it-IT" sz="4800"/>
-              <a:t> Ho un pubblico preparato!</a:t>
+              <a:t>Ho un pubblico </a:t>
+            </a:r>
+          </a:p>
+          <a:p>
+            <a:pPr indent="0" lvl="0" marL="0" rtl="0">
+              <a:spcBef>
+                <a:spcPts val="0"/>
+              </a:spcBef>
+              <a:buNone/>
+            </a:pPr>
+            <a:r>
+              <a:rPr lang="it-IT" sz="4800"/>
+              <a:t>preparato!</a:t>
             </a:r>
           </a:p>
         </p:txBody>
       </p:sp>
       <p:sp>
         <p:nvSpPr>
-          <p:cNvPr id="131" name="Shape 131"/>
+          <p:cNvPr id="137" name="Shape 137"/>
           <p:cNvSpPr txBox="1"/>
           <p:nvPr>
             <p:ph idx="1" type="subTitle"/>
@@ -10835,6 +11176,84 @@
           </a:p>
         </p:txBody>
       </p:sp>
+      <p:sp>
+        <p:nvSpPr>
+          <p:cNvPr id="138" name="Shape 138"/>
+          <p:cNvSpPr txBox="1"/>
+          <p:nvPr/>
+        </p:nvSpPr>
+        <p:spPr>
+          <a:xfrm>
+            <a:off x="5319150" y="480812"/>
+            <a:ext cx="3696600" cy="1071900"/>
+          </a:xfrm>
+          <a:prstGeom prst="rect">
+            <a:avLst/>
+          </a:prstGeom>
+          <a:noFill/>
+          <a:ln>
+            <a:noFill/>
+          </a:ln>
+        </p:spPr>
+        <p:txBody>
+          <a:bodyPr anchorCtr="0" anchor="t" bIns="91425" lIns="91425" rIns="91425" wrap="square" tIns="91425">
+            <a:noAutofit/>
+          </a:bodyPr>
+          <a:lstStyle/>
+          <a:p>
+            <a:pPr lvl="0" rtl="0">
+              <a:spcBef>
+                <a:spcPts val="0"/>
+              </a:spcBef>
+              <a:buNone/>
+            </a:pPr>
+            <a:r>
+              <a:rPr b="1" lang="it-IT" sz="2400"/>
+              <a:t>Liferay User Group Italy </a:t>
+            </a:r>
+          </a:p>
+          <a:p>
+            <a:pPr lvl="0" rtl="0">
+              <a:spcBef>
+                <a:spcPts val="0"/>
+              </a:spcBef>
+              <a:buNone/>
+            </a:pPr>
+            <a:r>
+              <a:rPr b="1" lang="it-IT" sz="2400"/>
+              <a:t>#LRUGItaly</a:t>
+            </a:r>
+          </a:p>
+        </p:txBody>
+      </p:sp>
+      <p:pic>
+        <p:nvPicPr>
+          <p:cNvPr descr="2014_liferay_logo.png" id="139" name="Shape 139"/>
+          <p:cNvPicPr preferRelativeResize="0"/>
+          <p:nvPr/>
+        </p:nvPicPr>
+        <p:blipFill>
+          <a:blip r:embed="rId3">
+            <a:alphaModFix/>
+          </a:blip>
+          <a:stretch>
+            <a:fillRect/>
+          </a:stretch>
+        </p:blipFill>
+        <p:spPr>
+          <a:xfrm>
+            <a:off x="3126662" y="6078500"/>
+            <a:ext cx="2888176" cy="662424"/>
+          </a:xfrm>
+          <a:prstGeom prst="rect">
+            <a:avLst/>
+          </a:prstGeom>
+          <a:noFill/>
+          <a:ln>
+            <a:noFill/>
+          </a:ln>
+        </p:spPr>
+      </p:pic>
     </p:spTree>
   </p:cSld>
   <p:clrMapOvr>
@@ -10844,256 +11263,6 @@
 </file>
 
 <file path=ppt/slides/slide4.xml><?xml version="1.0" encoding="utf-8"?>
-<p:sld xmlns:a="http://schemas.openxmlformats.org/drawingml/2006/main" xmlns:r="http://schemas.openxmlformats.org/officeDocument/2006/relationships" xmlns:mc="http://schemas.openxmlformats.org/markup-compatibility/2006" xmlns:mv="urn:schemas-microsoft-com:mac:vml" xmlns:p="http://schemas.openxmlformats.org/presentationml/2006/main" xmlns:c="http://schemas.openxmlformats.org/drawingml/2006/chart" xmlns:dgm="http://schemas.openxmlformats.org/drawingml/2006/diagram" xmlns:o="urn:schemas-microsoft-com:office:office" xmlns:v="urn:schemas-microsoft-com:vml" xmlns:pvml="urn:schemas-microsoft-com:office:powerpoint" xmlns:com="http://schemas.openxmlformats.org/drawingml/2006/compatibility" xmlns:p14="http://schemas.microsoft.com/office/powerpoint/2010/main" xmlns:p15="http://schemas.microsoft.com/office/powerpoint/2012/main">
-  <p:cSld>
-    <p:spTree>
-      <p:nvGrpSpPr>
-        <p:cNvPr id="136" name="Shape 136"/>
-        <p:cNvGrpSpPr/>
-        <p:nvPr/>
-      </p:nvGrpSpPr>
-      <p:grpSpPr>
-        <a:xfrm>
-          <a:off x="0" y="0"/>
-          <a:ext cx="0" cy="0"/>
-          <a:chOff x="0" y="0"/>
-          <a:chExt cx="0" cy="0"/>
-        </a:xfrm>
-      </p:grpSpPr>
-      <p:sp>
-        <p:nvSpPr>
-          <p:cNvPr id="137" name="Shape 137"/>
-          <p:cNvSpPr txBox="1"/>
-          <p:nvPr>
-            <p:ph idx="12" type="sldNum"/>
-          </p:nvPr>
-        </p:nvSpPr>
-        <p:spPr>
-          <a:xfrm>
-            <a:off x="8028384" y="6393600"/>
-            <a:ext cx="720000" cy="464400"/>
-          </a:xfrm>
-          <a:prstGeom prst="rect">
-            <a:avLst/>
-          </a:prstGeom>
-        </p:spPr>
-        <p:txBody>
-          <a:bodyPr anchorCtr="0" anchor="t" bIns="45700" lIns="91425" rIns="91425" wrap="square" tIns="45700">
-            <a:noAutofit/>
-          </a:bodyPr>
-          <a:lstStyle/>
-          <a:p>
-            <a:pPr lvl="0">
-              <a:spcBef>
-                <a:spcPts val="0"/>
-              </a:spcBef>
-              <a:buClr>
-                <a:srgbClr val="000000"/>
-              </a:buClr>
-              <a:buSzPct val="25000"/>
-              <a:buFont typeface="Arial"/>
-              <a:buNone/>
-            </a:pPr>
-            <a:fld id="{00000000-1234-1234-1234-123412341234}" type="slidenum">
-              <a:rPr lang="it-IT"/>
-              <a:t>‹#›</a:t>
-            </a:fld>
-          </a:p>
-        </p:txBody>
-      </p:sp>
-      <p:sp>
-        <p:nvSpPr>
-          <p:cNvPr id="138" name="Shape 138"/>
-          <p:cNvSpPr txBox="1"/>
-          <p:nvPr>
-            <p:ph type="ctrTitle"/>
-          </p:nvPr>
-        </p:nvSpPr>
-        <p:spPr>
-          <a:xfrm>
-            <a:off x="-2604" y="-27384"/>
-            <a:ext cx="9146700" cy="2088300"/>
-          </a:xfrm>
-          <a:prstGeom prst="rect">
-            <a:avLst/>
-          </a:prstGeom>
-        </p:spPr>
-        <p:txBody>
-          <a:bodyPr anchorCtr="0" anchor="ctr" bIns="91425" lIns="91425" rIns="91425" wrap="square" tIns="91425">
-            <a:noAutofit/>
-          </a:bodyPr>
-          <a:lstStyle/>
-          <a:p>
-            <a:pPr lvl="0">
-              <a:spcBef>
-                <a:spcPts val="0"/>
-              </a:spcBef>
-              <a:buNone/>
-            </a:pPr>
-            <a:r>
-              <a:rPr lang="it-IT" sz="4800"/>
-              <a:t>Iniziamo a sporcarci le mani</a:t>
-            </a:r>
-          </a:p>
-        </p:txBody>
-      </p:sp>
-      <p:sp>
-        <p:nvSpPr>
-          <p:cNvPr id="139" name="Shape 139"/>
-          <p:cNvSpPr txBox="1"/>
-          <p:nvPr>
-            <p:ph idx="1" type="subTitle"/>
-          </p:nvPr>
-        </p:nvSpPr>
-        <p:spPr>
-          <a:xfrm>
-            <a:off x="0" y="2111650"/>
-            <a:ext cx="9090300" cy="3996000"/>
-          </a:xfrm>
-          <a:prstGeom prst="rect">
-            <a:avLst/>
-          </a:prstGeom>
-        </p:spPr>
-        <p:txBody>
-          <a:bodyPr anchorCtr="0" anchor="t" bIns="91425" lIns="91425" rIns="91425" wrap="square" tIns="91425">
-            <a:noAutofit/>
-          </a:bodyPr>
-          <a:lstStyle/>
-          <a:p>
-            <a:pPr indent="-381000" lvl="0" marL="457200" rtl="0">
-              <a:spcBef>
-                <a:spcPts val="0"/>
-              </a:spcBef>
-              <a:buClr>
-                <a:srgbClr val="000000"/>
-              </a:buClr>
-              <a:buSzPct val="100000"/>
-              <a:buChar char="●"/>
-            </a:pPr>
-            <a:r>
-              <a:rPr lang="it-IT" sz="2400">
-                <a:solidFill>
-                  <a:srgbClr val="000000"/>
-                </a:solidFill>
-              </a:rPr>
-              <a:t>Creiamo il modulo Liferay</a:t>
-            </a:r>
-          </a:p>
-          <a:p>
-            <a:pPr lvl="0" rtl="0">
-              <a:spcBef>
-                <a:spcPts val="0"/>
-              </a:spcBef>
-              <a:buNone/>
-            </a:pPr>
-            <a:r>
-              <a:t/>
-            </a:r>
-            <a:endParaRPr sz="2400">
-              <a:solidFill>
-                <a:srgbClr val="000000"/>
-              </a:solidFill>
-            </a:endParaRPr>
-          </a:p>
-          <a:p>
-            <a:pPr indent="0" lvl="0" marL="457200" rtl="0">
-              <a:spcBef>
-                <a:spcPts val="0"/>
-              </a:spcBef>
-              <a:buNone/>
-            </a:pPr>
-            <a:r>
-              <a:rPr i="0" lang="it-IT" sz="1800">
-                <a:solidFill>
-                  <a:srgbClr val="000000"/>
-                </a:solidFill>
-                <a:latin typeface="Courier New"/>
-                <a:ea typeface="Courier New"/>
-                <a:cs typeface="Courier New"/>
-                <a:sym typeface="Courier New"/>
-              </a:rPr>
-              <a:t>blade create -t activator user-group-js-hello-world</a:t>
-            </a:r>
-          </a:p>
-          <a:p>
-            <a:pPr indent="0" lvl="0" marL="457200" rtl="0">
-              <a:spcBef>
-                <a:spcPts val="0"/>
-              </a:spcBef>
-              <a:buNone/>
-            </a:pPr>
-            <a:r>
-              <a:t/>
-            </a:r>
-            <a:endParaRPr i="0" sz="1800">
-              <a:solidFill>
-                <a:srgbClr val="000000"/>
-              </a:solidFill>
-              <a:latin typeface="Courier New"/>
-              <a:ea typeface="Courier New"/>
-              <a:cs typeface="Courier New"/>
-              <a:sym typeface="Courier New"/>
-            </a:endParaRPr>
-          </a:p>
-          <a:p>
-            <a:pPr indent="0" lvl="0" marL="457200" rtl="0">
-              <a:spcBef>
-                <a:spcPts val="0"/>
-              </a:spcBef>
-              <a:buNone/>
-            </a:pPr>
-            <a:r>
-              <a:t/>
-            </a:r>
-            <a:endParaRPr i="0" sz="1800">
-              <a:solidFill>
-                <a:srgbClr val="000000"/>
-              </a:solidFill>
-            </a:endParaRPr>
-          </a:p>
-          <a:p>
-            <a:pPr indent="0" lvl="0" marL="457200">
-              <a:spcBef>
-                <a:spcPts val="0"/>
-              </a:spcBef>
-              <a:buNone/>
-            </a:pPr>
-            <a:r>
-              <a:rPr i="0" lang="it-IT" sz="1800">
-                <a:solidFill>
-                  <a:srgbClr val="000000"/>
-                </a:solidFill>
-              </a:rPr>
-              <a:t>Dato che non abbiamo un template adatto usiamo </a:t>
-            </a:r>
-            <a:r>
-              <a:rPr b="1" i="0" lang="it-IT" sz="1800">
-                <a:solidFill>
-                  <a:srgbClr val="000000"/>
-                </a:solidFill>
-              </a:rPr>
-              <a:t>activator</a:t>
-            </a:r>
-            <a:r>
-              <a:rPr i="0" lang="it-IT" sz="1800">
-                <a:solidFill>
-                  <a:srgbClr val="000000"/>
-                </a:solidFill>
-              </a:rPr>
-              <a:t> e poi rimuoviamo i file non necessari, per esempio i file Java.</a:t>
-            </a:r>
-          </a:p>
-        </p:txBody>
-      </p:sp>
-    </p:spTree>
-  </p:cSld>
-  <p:clrMapOvr>
-    <a:masterClrMapping/>
-  </p:clrMapOvr>
-</p:sld>
-</file>
-
-<file path=ppt/slides/slide5.xml><?xml version="1.0" encoding="utf-8"?>
 <p:sld xmlns:a="http://schemas.openxmlformats.org/drawingml/2006/main" xmlns:r="http://schemas.openxmlformats.org/officeDocument/2006/relationships" xmlns:mc="http://schemas.openxmlformats.org/markup-compatibility/2006" xmlns:mv="urn:schemas-microsoft-com:mac:vml" xmlns:p="http://schemas.openxmlformats.org/presentationml/2006/main" xmlns:c="http://schemas.openxmlformats.org/drawingml/2006/chart" xmlns:dgm="http://schemas.openxmlformats.org/drawingml/2006/diagram" xmlns:o="urn:schemas-microsoft-com:office:office" xmlns:v="urn:schemas-microsoft-com:vml" xmlns:pvml="urn:schemas-microsoft-com:office:powerpoint" xmlns:com="http://schemas.openxmlformats.org/drawingml/2006/compatibility" xmlns:p14="http://schemas.microsoft.com/office/powerpoint/2010/main" xmlns:p15="http://schemas.microsoft.com/office/powerpoint/2012/main">
   <p:cSld>
     <p:spTree>
@@ -11133,10 +11302,15 @@
           </a:bodyPr>
           <a:lstStyle/>
           <a:p>
-            <a:pPr lvl="0" rtl="0">
-              <a:spcBef>
-                <a:spcPts val="0"/>
-              </a:spcBef>
+            <a:pPr lvl="0">
+              <a:spcBef>
+                <a:spcPts val="0"/>
+              </a:spcBef>
+              <a:buClr>
+                <a:srgbClr val="000000"/>
+              </a:buClr>
+              <a:buSzPct val="25000"/>
+              <a:buFont typeface="Arial"/>
               <a:buNone/>
             </a:pPr>
             <a:fld id="{00000000-1234-1234-1234-123412341234}" type="slidenum">
@@ -11162,6 +11336,9 @@
           <a:prstGeom prst="rect">
             <a:avLst/>
           </a:prstGeom>
+          <a:solidFill>
+            <a:srgbClr val="4A86E8"/>
+          </a:solidFill>
         </p:spPr>
         <p:txBody>
           <a:bodyPr anchorCtr="0" anchor="ctr" bIns="91425" lIns="91425" rIns="91425" wrap="square" tIns="91425">
@@ -11169,7 +11346,7 @@
           </a:bodyPr>
           <a:lstStyle/>
           <a:p>
-            <a:pPr lvl="0" rtl="0">
+            <a:pPr lvl="0">
               <a:spcBef>
                 <a:spcPts val="0"/>
               </a:spcBef>
@@ -11177,7 +11354,19 @@
             </a:pPr>
             <a:r>
               <a:rPr lang="it-IT" sz="4800"/>
-              <a:t>Work in progress: il nostro modulo JS</a:t>
+              <a:t>Iniziamo a sporcarci</a:t>
+            </a:r>
+          </a:p>
+          <a:p>
+            <a:pPr lvl="0">
+              <a:spcBef>
+                <a:spcPts val="0"/>
+              </a:spcBef>
+              <a:buNone/>
+            </a:pPr>
+            <a:r>
+              <a:rPr lang="it-IT" sz="4800"/>
+              <a:t>le mani</a:t>
             </a:r>
           </a:p>
         </p:txBody>
@@ -11221,7 +11410,7 @@
                   <a:srgbClr val="000000"/>
                 </a:solidFill>
               </a:rPr>
-              <a:t>Creiamo il modulo Javascript</a:t>
+              <a:t>Creiamo il modulo Liferay</a:t>
             </a:r>
           </a:p>
           <a:p>
@@ -11234,7 +11423,7 @@
             <a:r>
               <a:t/>
             </a:r>
-            <a:endParaRPr sz="1000">
+            <a:endParaRPr sz="2400">
               <a:solidFill>
                 <a:srgbClr val="000000"/>
               </a:solidFill>
@@ -11257,7 +11446,7 @@
                 <a:cs typeface="Courier New"/>
                 <a:sym typeface="Courier New"/>
               </a:rPr>
-              <a:t>src/main/resources/META-INF/resources/js/user-group-hello-world.es.js</a:t>
+              <a:t>blade create -t activator user-group-js-hello-world</a:t>
             </a:r>
           </a:p>
           <a:p>
@@ -11265,180 +11454,6 @@
               <a:spcBef>
                 <a:spcPts val="0"/>
               </a:spcBef>
-              <a:buNone/>
-            </a:pPr>
-            <a:r>
-              <a:t/>
-            </a:r>
-            <a:endParaRPr i="0" sz="1000">
-              <a:solidFill>
-                <a:srgbClr val="000000"/>
-              </a:solidFill>
-            </a:endParaRPr>
-          </a:p>
-          <a:p>
-            <a:pPr indent="0" lvl="0" marL="457200" rtl="0">
-              <a:spcBef>
-                <a:spcPts val="0"/>
-              </a:spcBef>
-              <a:buNone/>
-            </a:pPr>
-            <a:r>
-              <a:rPr i="0" lang="it-IT" sz="1800">
-                <a:solidFill>
-                  <a:srgbClr val="000000"/>
-                </a:solidFill>
-              </a:rPr>
-              <a:t>Abbiamo usato la versione di Javascript ECMA Script 2015.</a:t>
-            </a:r>
-          </a:p>
-          <a:p>
-            <a:pPr indent="0" lvl="0" marL="457200" rtl="0">
-              <a:spcBef>
-                <a:spcPts val="0"/>
-              </a:spcBef>
-              <a:buNone/>
-            </a:pPr>
-            <a:r>
-              <a:t/>
-            </a:r>
-            <a:endParaRPr i="0" sz="1000">
-              <a:solidFill>
-                <a:srgbClr val="000000"/>
-              </a:solidFill>
-            </a:endParaRPr>
-          </a:p>
-          <a:p>
-            <a:pPr indent="-381000" lvl="0" marL="457200" marR="0" rtl="0" algn="l">
-              <a:lnSpc>
-                <a:spcPct val="100000"/>
-              </a:lnSpc>
-              <a:spcBef>
-                <a:spcPts val="0"/>
-              </a:spcBef>
-              <a:spcAft>
-                <a:spcPts val="600"/>
-              </a:spcAft>
-              <a:buClr>
-                <a:srgbClr val="000000"/>
-              </a:buClr>
-              <a:buSzPct val="100000"/>
-              <a:buChar char="●"/>
-            </a:pPr>
-            <a:r>
-              <a:rPr lang="it-IT" sz="2400">
-                <a:solidFill>
-                  <a:srgbClr val="000000"/>
-                </a:solidFill>
-              </a:rPr>
-              <a:t>Importiamo le dipendenze</a:t>
-            </a:r>
-          </a:p>
-          <a:p>
-            <a:pPr indent="-69850" lvl="0" marL="457200" marR="0" rtl="0" algn="l">
-              <a:lnSpc>
-                <a:spcPct val="100000"/>
-              </a:lnSpc>
-              <a:spcBef>
-                <a:spcPts val="0"/>
-              </a:spcBef>
-              <a:spcAft>
-                <a:spcPts val="600"/>
-              </a:spcAft>
-              <a:buClr>
-                <a:srgbClr val="000000"/>
-              </a:buClr>
-              <a:buSzPct val="61111"/>
-              <a:buNone/>
-            </a:pPr>
-            <a:r>
-              <a:rPr i="0" lang="it-IT" sz="1800">
-                <a:solidFill>
-                  <a:srgbClr val="000000"/>
-                </a:solidFill>
-                <a:latin typeface="Courier New"/>
-                <a:ea typeface="Courier New"/>
-                <a:cs typeface="Courier New"/>
-                <a:sym typeface="Courier New"/>
-              </a:rPr>
-              <a:t>…</a:t>
-            </a:r>
-          </a:p>
-          <a:p>
-            <a:pPr indent="-69850" lvl="0" marL="457200" marR="0" rtl="0" algn="l">
-              <a:lnSpc>
-                <a:spcPct val="100000"/>
-              </a:lnSpc>
-              <a:spcBef>
-                <a:spcPts val="0"/>
-              </a:spcBef>
-              <a:spcAft>
-                <a:spcPts val="600"/>
-              </a:spcAft>
-              <a:buClr>
-                <a:srgbClr val="000000"/>
-              </a:buClr>
-              <a:buSzPct val="61111"/>
-              <a:buNone/>
-            </a:pPr>
-            <a:r>
-              <a:rPr i="0" lang="it-IT" sz="1800">
-                <a:solidFill>
-                  <a:srgbClr val="000000"/>
-                </a:solidFill>
-                <a:latin typeface="Courier New"/>
-                <a:ea typeface="Courier New"/>
-                <a:cs typeface="Courier New"/>
-                <a:sym typeface="Courier New"/>
-              </a:rPr>
-              <a:t>import 'funny-text-wrapper';</a:t>
-            </a:r>
-          </a:p>
-          <a:p>
-            <a:pPr indent="-69850" lvl="0" marL="457200" marR="0" rtl="0" algn="l">
-              <a:lnSpc>
-                <a:spcPct val="100000"/>
-              </a:lnSpc>
-              <a:spcBef>
-                <a:spcPts val="0"/>
-              </a:spcBef>
-              <a:spcAft>
-                <a:spcPts val="600"/>
-              </a:spcAft>
-              <a:buClr>
-                <a:srgbClr val="000000"/>
-              </a:buClr>
-              <a:buSzPct val="61111"/>
-              <a:buNone/>
-            </a:pPr>
-            <a:r>
-              <a:rPr i="0" lang="it-IT" sz="1800">
-                <a:solidFill>
-                  <a:srgbClr val="000000"/>
-                </a:solidFill>
-                <a:latin typeface="Courier New"/>
-                <a:ea typeface="Courier New"/>
-                <a:cs typeface="Courier New"/>
-                <a:sym typeface="Courier New"/>
-              </a:rPr>
-              <a:t>…</a:t>
-            </a:r>
-          </a:p>
-          <a:p>
-            <a:pPr indent="-69850" lvl="0" marL="457200" marR="0" rtl="0" algn="l">
-              <a:lnSpc>
-                <a:spcPct val="100000"/>
-              </a:lnSpc>
-              <a:spcBef>
-                <a:spcPts val="0"/>
-              </a:spcBef>
-              <a:spcAft>
-                <a:spcPts val="600"/>
-              </a:spcAft>
-              <a:buClr>
-                <a:srgbClr val="000000"/>
-              </a:buClr>
-              <a:buSzPct val="61111"/>
               <a:buNone/>
             </a:pPr>
             <a:r>
@@ -11454,8 +11469,598 @@
               <a:sym typeface="Courier New"/>
             </a:endParaRPr>
           </a:p>
+          <a:p>
+            <a:pPr indent="0" lvl="0" marL="457200" rtl="0">
+              <a:spcBef>
+                <a:spcPts val="0"/>
+              </a:spcBef>
+              <a:buNone/>
+            </a:pPr>
+            <a:r>
+              <a:t/>
+            </a:r>
+            <a:endParaRPr i="0" sz="1800">
+              <a:solidFill>
+                <a:srgbClr val="000000"/>
+              </a:solidFill>
+            </a:endParaRPr>
+          </a:p>
+          <a:p>
+            <a:pPr indent="0" lvl="0" marL="457200">
+              <a:spcBef>
+                <a:spcPts val="0"/>
+              </a:spcBef>
+              <a:buNone/>
+            </a:pPr>
+            <a:r>
+              <a:rPr i="0" lang="it-IT" sz="1800">
+                <a:solidFill>
+                  <a:srgbClr val="000000"/>
+                </a:solidFill>
+              </a:rPr>
+              <a:t>Dato che non abbiamo un template adatto usiamo </a:t>
+            </a:r>
+            <a:r>
+              <a:rPr b="1" i="0" lang="it-IT" sz="1800">
+                <a:solidFill>
+                  <a:srgbClr val="000000"/>
+                </a:solidFill>
+              </a:rPr>
+              <a:t>activator</a:t>
+            </a:r>
+            <a:r>
+              <a:rPr i="0" lang="it-IT" sz="1800">
+                <a:solidFill>
+                  <a:srgbClr val="000000"/>
+                </a:solidFill>
+              </a:rPr>
+              <a:t> e poi rimuoviamo i file non necessari, per esempio i file Java.</a:t>
+            </a:r>
+          </a:p>
         </p:txBody>
       </p:sp>
+      <p:sp>
+        <p:nvSpPr>
+          <p:cNvPr id="148" name="Shape 148"/>
+          <p:cNvSpPr txBox="1"/>
+          <p:nvPr/>
+        </p:nvSpPr>
+        <p:spPr>
+          <a:xfrm>
+            <a:off x="5319150" y="480812"/>
+            <a:ext cx="3696600" cy="1071900"/>
+          </a:xfrm>
+          <a:prstGeom prst="rect">
+            <a:avLst/>
+          </a:prstGeom>
+          <a:noFill/>
+          <a:ln>
+            <a:noFill/>
+          </a:ln>
+        </p:spPr>
+        <p:txBody>
+          <a:bodyPr anchorCtr="0" anchor="t" bIns="91425" lIns="91425" rIns="91425" wrap="square" tIns="91425">
+            <a:noAutofit/>
+          </a:bodyPr>
+          <a:lstStyle/>
+          <a:p>
+            <a:pPr lvl="0" rtl="0">
+              <a:spcBef>
+                <a:spcPts val="0"/>
+              </a:spcBef>
+              <a:buNone/>
+            </a:pPr>
+            <a:r>
+              <a:rPr b="1" lang="it-IT" sz="2400"/>
+              <a:t>Liferay User Group Italy </a:t>
+            </a:r>
+          </a:p>
+          <a:p>
+            <a:pPr lvl="0" rtl="0">
+              <a:spcBef>
+                <a:spcPts val="0"/>
+              </a:spcBef>
+              <a:buNone/>
+            </a:pPr>
+            <a:r>
+              <a:rPr b="1" lang="it-IT" sz="2400"/>
+              <a:t>#LRUGItaly</a:t>
+            </a:r>
+          </a:p>
+        </p:txBody>
+      </p:sp>
+      <p:pic>
+        <p:nvPicPr>
+          <p:cNvPr descr="2014_liferay_logo.png" id="149" name="Shape 149"/>
+          <p:cNvPicPr preferRelativeResize="0"/>
+          <p:nvPr/>
+        </p:nvPicPr>
+        <p:blipFill>
+          <a:blip r:embed="rId3">
+            <a:alphaModFix/>
+          </a:blip>
+          <a:stretch>
+            <a:fillRect/>
+          </a:stretch>
+        </p:blipFill>
+        <p:spPr>
+          <a:xfrm>
+            <a:off x="3126662" y="6078500"/>
+            <a:ext cx="2888176" cy="662424"/>
+          </a:xfrm>
+          <a:prstGeom prst="rect">
+            <a:avLst/>
+          </a:prstGeom>
+          <a:noFill/>
+          <a:ln>
+            <a:noFill/>
+          </a:ln>
+        </p:spPr>
+      </p:pic>
+    </p:spTree>
+  </p:cSld>
+  <p:clrMapOvr>
+    <a:masterClrMapping/>
+  </p:clrMapOvr>
+</p:sld>
+</file>
+
+<file path=ppt/slides/slide5.xml><?xml version="1.0" encoding="utf-8"?>
+<p:sld xmlns:a="http://schemas.openxmlformats.org/drawingml/2006/main" xmlns:r="http://schemas.openxmlformats.org/officeDocument/2006/relationships" xmlns:mc="http://schemas.openxmlformats.org/markup-compatibility/2006" xmlns:mv="urn:schemas-microsoft-com:mac:vml" xmlns:p="http://schemas.openxmlformats.org/presentationml/2006/main" xmlns:c="http://schemas.openxmlformats.org/drawingml/2006/chart" xmlns:dgm="http://schemas.openxmlformats.org/drawingml/2006/diagram" xmlns:o="urn:schemas-microsoft-com:office:office" xmlns:v="urn:schemas-microsoft-com:vml" xmlns:pvml="urn:schemas-microsoft-com:office:powerpoint" xmlns:com="http://schemas.openxmlformats.org/drawingml/2006/compatibility" xmlns:p14="http://schemas.microsoft.com/office/powerpoint/2010/main" xmlns:p15="http://schemas.microsoft.com/office/powerpoint/2012/main">
+  <p:cSld>
+    <p:spTree>
+      <p:nvGrpSpPr>
+        <p:cNvPr id="154" name="Shape 154"/>
+        <p:cNvGrpSpPr/>
+        <p:nvPr/>
+      </p:nvGrpSpPr>
+      <p:grpSpPr>
+        <a:xfrm>
+          <a:off x="0" y="0"/>
+          <a:ext cx="0" cy="0"/>
+          <a:chOff x="0" y="0"/>
+          <a:chExt cx="0" cy="0"/>
+        </a:xfrm>
+      </p:grpSpPr>
+      <p:sp>
+        <p:nvSpPr>
+          <p:cNvPr id="155" name="Shape 155"/>
+          <p:cNvSpPr txBox="1"/>
+          <p:nvPr>
+            <p:ph idx="12" type="sldNum"/>
+          </p:nvPr>
+        </p:nvSpPr>
+        <p:spPr>
+          <a:xfrm>
+            <a:off x="8028384" y="6393600"/>
+            <a:ext cx="720000" cy="464400"/>
+          </a:xfrm>
+          <a:prstGeom prst="rect">
+            <a:avLst/>
+          </a:prstGeom>
+        </p:spPr>
+        <p:txBody>
+          <a:bodyPr anchorCtr="0" anchor="t" bIns="45700" lIns="91425" rIns="91425" wrap="square" tIns="45700">
+            <a:noAutofit/>
+          </a:bodyPr>
+          <a:lstStyle/>
+          <a:p>
+            <a:pPr lvl="0" rtl="0">
+              <a:spcBef>
+                <a:spcPts val="0"/>
+              </a:spcBef>
+              <a:buNone/>
+            </a:pPr>
+            <a:fld id="{00000000-1234-1234-1234-123412341234}" type="slidenum">
+              <a:rPr lang="it-IT"/>
+              <a:t>‹#›</a:t>
+            </a:fld>
+          </a:p>
+        </p:txBody>
+      </p:sp>
+      <p:sp>
+        <p:nvSpPr>
+          <p:cNvPr id="156" name="Shape 156"/>
+          <p:cNvSpPr txBox="1"/>
+          <p:nvPr>
+            <p:ph type="ctrTitle"/>
+          </p:nvPr>
+        </p:nvSpPr>
+        <p:spPr>
+          <a:xfrm>
+            <a:off x="-2604" y="-27384"/>
+            <a:ext cx="9146700" cy="2088300"/>
+          </a:xfrm>
+          <a:prstGeom prst="rect">
+            <a:avLst/>
+          </a:prstGeom>
+          <a:solidFill>
+            <a:srgbClr val="4A86E8"/>
+          </a:solidFill>
+        </p:spPr>
+        <p:txBody>
+          <a:bodyPr anchorCtr="0" anchor="ctr" bIns="91425" lIns="91425" rIns="91425" wrap="square" tIns="91425">
+            <a:noAutofit/>
+          </a:bodyPr>
+          <a:lstStyle/>
+          <a:p>
+            <a:pPr lvl="0">
+              <a:spcBef>
+                <a:spcPts val="0"/>
+              </a:spcBef>
+              <a:buNone/>
+            </a:pPr>
+            <a:r>
+              <a:rPr lang="it-IT" sz="4800"/>
+              <a:t>Work in progress:</a:t>
+            </a:r>
+          </a:p>
+          <a:p>
+            <a:pPr lvl="0" rtl="0">
+              <a:spcBef>
+                <a:spcPts val="0"/>
+              </a:spcBef>
+              <a:buNone/>
+            </a:pPr>
+            <a:r>
+              <a:rPr lang="it-IT" sz="4800"/>
+              <a:t>il nostro modulo JS</a:t>
+            </a:r>
+          </a:p>
+        </p:txBody>
+      </p:sp>
+      <p:sp>
+        <p:nvSpPr>
+          <p:cNvPr id="157" name="Shape 157"/>
+          <p:cNvSpPr txBox="1"/>
+          <p:nvPr>
+            <p:ph idx="1" type="subTitle"/>
+          </p:nvPr>
+        </p:nvSpPr>
+        <p:spPr>
+          <a:xfrm>
+            <a:off x="0" y="2111650"/>
+            <a:ext cx="9090300" cy="3996000"/>
+          </a:xfrm>
+          <a:prstGeom prst="rect">
+            <a:avLst/>
+          </a:prstGeom>
+        </p:spPr>
+        <p:txBody>
+          <a:bodyPr anchorCtr="0" anchor="t" bIns="91425" lIns="91425" rIns="91425" wrap="square" tIns="91425">
+            <a:noAutofit/>
+          </a:bodyPr>
+          <a:lstStyle/>
+          <a:p>
+            <a:pPr indent="-381000" lvl="0" marL="457200" rtl="0">
+              <a:spcBef>
+                <a:spcPts val="0"/>
+              </a:spcBef>
+              <a:buClr>
+                <a:srgbClr val="000000"/>
+              </a:buClr>
+              <a:buSzPct val="100000"/>
+              <a:buChar char="●"/>
+            </a:pPr>
+            <a:r>
+              <a:rPr lang="it-IT" sz="2400">
+                <a:solidFill>
+                  <a:srgbClr val="000000"/>
+                </a:solidFill>
+              </a:rPr>
+              <a:t>Creiamo il modulo Javascript</a:t>
+            </a:r>
+          </a:p>
+          <a:p>
+            <a:pPr lvl="0" rtl="0">
+              <a:spcBef>
+                <a:spcPts val="0"/>
+              </a:spcBef>
+              <a:buNone/>
+            </a:pPr>
+            <a:r>
+              <a:t/>
+            </a:r>
+            <a:endParaRPr sz="1000">
+              <a:solidFill>
+                <a:srgbClr val="000000"/>
+              </a:solidFill>
+            </a:endParaRPr>
+          </a:p>
+          <a:p>
+            <a:pPr indent="0" lvl="0" marL="457200" rtl="0">
+              <a:spcBef>
+                <a:spcPts val="0"/>
+              </a:spcBef>
+              <a:buNone/>
+            </a:pPr>
+            <a:r>
+              <a:rPr i="0" lang="it-IT" sz="1800">
+                <a:solidFill>
+                  <a:srgbClr val="000000"/>
+                </a:solidFill>
+                <a:latin typeface="Courier New"/>
+                <a:ea typeface="Courier New"/>
+                <a:cs typeface="Courier New"/>
+                <a:sym typeface="Courier New"/>
+              </a:rPr>
+              <a:t>src/main/resources/META-INF/resources/js/user-group-hello-world.es.js</a:t>
+            </a:r>
+          </a:p>
+          <a:p>
+            <a:pPr indent="0" lvl="0" marL="457200" rtl="0">
+              <a:spcBef>
+                <a:spcPts val="0"/>
+              </a:spcBef>
+              <a:buNone/>
+            </a:pPr>
+            <a:r>
+              <a:t/>
+            </a:r>
+            <a:endParaRPr i="0" sz="1000">
+              <a:solidFill>
+                <a:srgbClr val="000000"/>
+              </a:solidFill>
+            </a:endParaRPr>
+          </a:p>
+          <a:p>
+            <a:pPr indent="0" lvl="0" marL="457200" rtl="0">
+              <a:spcBef>
+                <a:spcPts val="0"/>
+              </a:spcBef>
+              <a:buNone/>
+            </a:pPr>
+            <a:r>
+              <a:rPr i="0" lang="it-IT" sz="1800">
+                <a:solidFill>
+                  <a:srgbClr val="000000"/>
+                </a:solidFill>
+              </a:rPr>
+              <a:t>Abbiamo usato la versione di Javascript ECMA Script 2015.</a:t>
+            </a:r>
+          </a:p>
+          <a:p>
+            <a:pPr indent="0" lvl="0" marL="457200" rtl="0">
+              <a:spcBef>
+                <a:spcPts val="0"/>
+              </a:spcBef>
+              <a:buNone/>
+            </a:pPr>
+            <a:r>
+              <a:t/>
+            </a:r>
+            <a:endParaRPr i="0" sz="1000">
+              <a:solidFill>
+                <a:srgbClr val="000000"/>
+              </a:solidFill>
+            </a:endParaRPr>
+          </a:p>
+          <a:p>
+            <a:pPr indent="-381000" lvl="0" marL="457200" marR="0" rtl="0" algn="l">
+              <a:lnSpc>
+                <a:spcPct val="100000"/>
+              </a:lnSpc>
+              <a:spcBef>
+                <a:spcPts val="0"/>
+              </a:spcBef>
+              <a:spcAft>
+                <a:spcPts val="600"/>
+              </a:spcAft>
+              <a:buClr>
+                <a:srgbClr val="000000"/>
+              </a:buClr>
+              <a:buSzPct val="100000"/>
+              <a:buChar char="●"/>
+            </a:pPr>
+            <a:r>
+              <a:rPr lang="it-IT" sz="2400">
+                <a:solidFill>
+                  <a:srgbClr val="000000"/>
+                </a:solidFill>
+              </a:rPr>
+              <a:t>Importiamo le dipendenze</a:t>
+            </a:r>
+          </a:p>
+          <a:p>
+            <a:pPr indent="-69850" lvl="0" marL="457200" marR="0" rtl="0" algn="l">
+              <a:lnSpc>
+                <a:spcPct val="100000"/>
+              </a:lnSpc>
+              <a:spcBef>
+                <a:spcPts val="0"/>
+              </a:spcBef>
+              <a:spcAft>
+                <a:spcPts val="600"/>
+              </a:spcAft>
+              <a:buClr>
+                <a:srgbClr val="000000"/>
+              </a:buClr>
+              <a:buSzPct val="61111"/>
+              <a:buNone/>
+            </a:pPr>
+            <a:r>
+              <a:rPr i="0" lang="it-IT" sz="1800">
+                <a:solidFill>
+                  <a:srgbClr val="000000"/>
+                </a:solidFill>
+                <a:latin typeface="Courier New"/>
+                <a:ea typeface="Courier New"/>
+                <a:cs typeface="Courier New"/>
+                <a:sym typeface="Courier New"/>
+              </a:rPr>
+              <a:t>…</a:t>
+            </a:r>
+          </a:p>
+          <a:p>
+            <a:pPr indent="-69850" lvl="0" marL="457200" marR="0" rtl="0" algn="l">
+              <a:lnSpc>
+                <a:spcPct val="100000"/>
+              </a:lnSpc>
+              <a:spcBef>
+                <a:spcPts val="0"/>
+              </a:spcBef>
+              <a:spcAft>
+                <a:spcPts val="600"/>
+              </a:spcAft>
+              <a:buClr>
+                <a:srgbClr val="000000"/>
+              </a:buClr>
+              <a:buSzPct val="61111"/>
+              <a:buNone/>
+            </a:pPr>
+            <a:r>
+              <a:rPr i="0" lang="it-IT" sz="1800">
+                <a:solidFill>
+                  <a:srgbClr val="000000"/>
+                </a:solidFill>
+                <a:latin typeface="Courier New"/>
+                <a:ea typeface="Courier New"/>
+                <a:cs typeface="Courier New"/>
+                <a:sym typeface="Courier New"/>
+              </a:rPr>
+              <a:t>import 'funny-text-wrapper';</a:t>
+            </a:r>
+          </a:p>
+          <a:p>
+            <a:pPr indent="-69850" lvl="0" marL="457200" marR="0" rtl="0" algn="l">
+              <a:lnSpc>
+                <a:spcPct val="100000"/>
+              </a:lnSpc>
+              <a:spcBef>
+                <a:spcPts val="0"/>
+              </a:spcBef>
+              <a:spcAft>
+                <a:spcPts val="600"/>
+              </a:spcAft>
+              <a:buClr>
+                <a:srgbClr val="000000"/>
+              </a:buClr>
+              <a:buSzPct val="61111"/>
+              <a:buNone/>
+            </a:pPr>
+            <a:r>
+              <a:rPr i="0" lang="it-IT" sz="1800">
+                <a:solidFill>
+                  <a:srgbClr val="000000"/>
+                </a:solidFill>
+                <a:latin typeface="Courier New"/>
+                <a:ea typeface="Courier New"/>
+                <a:cs typeface="Courier New"/>
+                <a:sym typeface="Courier New"/>
+              </a:rPr>
+              <a:t>…</a:t>
+            </a:r>
+          </a:p>
+          <a:p>
+            <a:pPr indent="-69850" lvl="0" marL="457200" marR="0" rtl="0" algn="l">
+              <a:lnSpc>
+                <a:spcPct val="100000"/>
+              </a:lnSpc>
+              <a:spcBef>
+                <a:spcPts val="0"/>
+              </a:spcBef>
+              <a:spcAft>
+                <a:spcPts val="600"/>
+              </a:spcAft>
+              <a:buClr>
+                <a:srgbClr val="000000"/>
+              </a:buClr>
+              <a:buSzPct val="61111"/>
+              <a:buNone/>
+            </a:pPr>
+            <a:r>
+              <a:t/>
+            </a:r>
+            <a:endParaRPr i="0" sz="1800">
+              <a:solidFill>
+                <a:srgbClr val="000000"/>
+              </a:solidFill>
+              <a:latin typeface="Courier New"/>
+              <a:ea typeface="Courier New"/>
+              <a:cs typeface="Courier New"/>
+              <a:sym typeface="Courier New"/>
+            </a:endParaRPr>
+          </a:p>
+        </p:txBody>
+      </p:sp>
+      <p:sp>
+        <p:nvSpPr>
+          <p:cNvPr id="158" name="Shape 158"/>
+          <p:cNvSpPr txBox="1"/>
+          <p:nvPr/>
+        </p:nvSpPr>
+        <p:spPr>
+          <a:xfrm>
+            <a:off x="5319150" y="480812"/>
+            <a:ext cx="3696600" cy="1071900"/>
+          </a:xfrm>
+          <a:prstGeom prst="rect">
+            <a:avLst/>
+          </a:prstGeom>
+          <a:noFill/>
+          <a:ln>
+            <a:noFill/>
+          </a:ln>
+        </p:spPr>
+        <p:txBody>
+          <a:bodyPr anchorCtr="0" anchor="t" bIns="91425" lIns="91425" rIns="91425" wrap="square" tIns="91425">
+            <a:noAutofit/>
+          </a:bodyPr>
+          <a:lstStyle/>
+          <a:p>
+            <a:pPr lvl="0" rtl="0">
+              <a:spcBef>
+                <a:spcPts val="0"/>
+              </a:spcBef>
+              <a:buNone/>
+            </a:pPr>
+            <a:r>
+              <a:rPr b="1" lang="it-IT" sz="2400"/>
+              <a:t>Liferay User Group Italy </a:t>
+            </a:r>
+          </a:p>
+          <a:p>
+            <a:pPr lvl="0" rtl="0">
+              <a:spcBef>
+                <a:spcPts val="0"/>
+              </a:spcBef>
+              <a:buNone/>
+            </a:pPr>
+            <a:r>
+              <a:rPr b="1" lang="it-IT" sz="2400"/>
+              <a:t>#LRUGItaly</a:t>
+            </a:r>
+          </a:p>
+        </p:txBody>
+      </p:sp>
+      <p:pic>
+        <p:nvPicPr>
+          <p:cNvPr descr="2014_liferay_logo.png" id="159" name="Shape 159"/>
+          <p:cNvPicPr preferRelativeResize="0"/>
+          <p:nvPr/>
+        </p:nvPicPr>
+        <p:blipFill>
+          <a:blip r:embed="rId3">
+            <a:alphaModFix/>
+          </a:blip>
+          <a:stretch>
+            <a:fillRect/>
+          </a:stretch>
+        </p:blipFill>
+        <p:spPr>
+          <a:xfrm>
+            <a:off x="3126662" y="6078500"/>
+            <a:ext cx="2888176" cy="662424"/>
+          </a:xfrm>
+          <a:prstGeom prst="rect">
+            <a:avLst/>
+          </a:prstGeom>
+          <a:noFill/>
+          <a:ln>
+            <a:noFill/>
+          </a:ln>
+        </p:spPr>
+      </p:pic>
     </p:spTree>
   </p:cSld>
   <p:clrMapOvr>
@@ -11469,7 +12074,7 @@
   <p:cSld>
     <p:spTree>
       <p:nvGrpSpPr>
-        <p:cNvPr id="152" name="Shape 152"/>
+        <p:cNvPr id="164" name="Shape 164"/>
         <p:cNvGrpSpPr/>
         <p:nvPr/>
       </p:nvGrpSpPr>
@@ -11483,7 +12088,7 @@
       </p:grpSpPr>
       <p:sp>
         <p:nvSpPr>
-          <p:cNvPr id="153" name="Shape 153"/>
+          <p:cNvPr id="165" name="Shape 165"/>
           <p:cNvSpPr txBox="1"/>
           <p:nvPr>
             <p:ph idx="12" type="sldNum"/>
@@ -11519,7 +12124,7 @@
       </p:sp>
       <p:sp>
         <p:nvSpPr>
-          <p:cNvPr id="154" name="Shape 154"/>
+          <p:cNvPr id="166" name="Shape 166"/>
           <p:cNvSpPr txBox="1"/>
           <p:nvPr>
             <p:ph type="ctrTitle"/>
@@ -11533,6 +12138,9 @@
           <a:prstGeom prst="rect">
             <a:avLst/>
           </a:prstGeom>
+          <a:solidFill>
+            <a:srgbClr val="4A86E8"/>
+          </a:solidFill>
         </p:spPr>
         <p:txBody>
           <a:bodyPr anchorCtr="0" anchor="ctr" bIns="91425" lIns="91425" rIns="91425" wrap="square" tIns="91425">
@@ -11540,6 +12148,30 @@
           </a:bodyPr>
           <a:lstStyle/>
           <a:p>
+            <a:pPr lvl="0">
+              <a:spcBef>
+                <a:spcPts val="0"/>
+              </a:spcBef>
+              <a:buNone/>
+            </a:pPr>
+            <a:r>
+              <a:rPr lang="it-IT" sz="3600"/>
+              <a:t>Work in progress: </a:t>
+            </a:r>
+          </a:p>
+          <a:p>
+            <a:pPr lvl="0">
+              <a:spcBef>
+                <a:spcPts val="0"/>
+              </a:spcBef>
+              <a:buNone/>
+            </a:pPr>
+            <a:r>
+              <a:rPr lang="it-IT" sz="3600"/>
+              <a:t>gestione delle dipendenze </a:t>
+            </a:r>
+          </a:p>
+          <a:p>
             <a:pPr lvl="0" rtl="0">
               <a:spcBef>
                 <a:spcPts val="0"/>
@@ -11547,15 +12179,15 @@
               <a:buNone/>
             </a:pPr>
             <a:r>
-              <a:rPr lang="it-IT" sz="4800"/>
-              <a:t>Work in progress: gestione delle dipendenze con Bower</a:t>
+              <a:rPr lang="it-IT" sz="3600"/>
+              <a:t>con Bower</a:t>
             </a:r>
           </a:p>
         </p:txBody>
       </p:sp>
       <p:sp>
         <p:nvSpPr>
-          <p:cNvPr id="155" name="Shape 155"/>
+          <p:cNvPr id="167" name="Shape 167"/>
           <p:cNvSpPr txBox="1"/>
           <p:nvPr>
             <p:ph idx="1" type="subTitle"/>
@@ -11881,6 +12513,84 @@
           </a:p>
         </p:txBody>
       </p:sp>
+      <p:sp>
+        <p:nvSpPr>
+          <p:cNvPr id="168" name="Shape 168"/>
+          <p:cNvSpPr txBox="1"/>
+          <p:nvPr/>
+        </p:nvSpPr>
+        <p:spPr>
+          <a:xfrm>
+            <a:off x="5319150" y="480812"/>
+            <a:ext cx="3696600" cy="1071900"/>
+          </a:xfrm>
+          <a:prstGeom prst="rect">
+            <a:avLst/>
+          </a:prstGeom>
+          <a:noFill/>
+          <a:ln>
+            <a:noFill/>
+          </a:ln>
+        </p:spPr>
+        <p:txBody>
+          <a:bodyPr anchorCtr="0" anchor="t" bIns="91425" lIns="91425" rIns="91425" wrap="square" tIns="91425">
+            <a:noAutofit/>
+          </a:bodyPr>
+          <a:lstStyle/>
+          <a:p>
+            <a:pPr lvl="0" rtl="0">
+              <a:spcBef>
+                <a:spcPts val="0"/>
+              </a:spcBef>
+              <a:buNone/>
+            </a:pPr>
+            <a:r>
+              <a:rPr b="1" lang="it-IT" sz="2400"/>
+              <a:t>Liferay User Group Italy </a:t>
+            </a:r>
+          </a:p>
+          <a:p>
+            <a:pPr lvl="0" rtl="0">
+              <a:spcBef>
+                <a:spcPts val="0"/>
+              </a:spcBef>
+              <a:buNone/>
+            </a:pPr>
+            <a:r>
+              <a:rPr b="1" lang="it-IT" sz="2400"/>
+              <a:t>#LRUGItaly</a:t>
+            </a:r>
+          </a:p>
+        </p:txBody>
+      </p:sp>
+      <p:pic>
+        <p:nvPicPr>
+          <p:cNvPr descr="2014_liferay_logo.png" id="169" name="Shape 169"/>
+          <p:cNvPicPr preferRelativeResize="0"/>
+          <p:nvPr/>
+        </p:nvPicPr>
+        <p:blipFill>
+          <a:blip r:embed="rId3">
+            <a:alphaModFix/>
+          </a:blip>
+          <a:stretch>
+            <a:fillRect/>
+          </a:stretch>
+        </p:blipFill>
+        <p:spPr>
+          <a:xfrm>
+            <a:off x="3126662" y="6078500"/>
+            <a:ext cx="2888176" cy="662424"/>
+          </a:xfrm>
+          <a:prstGeom prst="rect">
+            <a:avLst/>
+          </a:prstGeom>
+          <a:noFill/>
+          <a:ln>
+            <a:noFill/>
+          </a:ln>
+        </p:spPr>
+      </p:pic>
     </p:spTree>
   </p:cSld>
   <p:clrMapOvr>
@@ -11894,7 +12604,7 @@
   <p:cSld>
     <p:spTree>
       <p:nvGrpSpPr>
-        <p:cNvPr id="160" name="Shape 160"/>
+        <p:cNvPr id="174" name="Shape 174"/>
         <p:cNvGrpSpPr/>
         <p:nvPr/>
       </p:nvGrpSpPr>
@@ -11908,7 +12618,7 @@
       </p:grpSpPr>
       <p:sp>
         <p:nvSpPr>
-          <p:cNvPr id="161" name="Shape 161"/>
+          <p:cNvPr id="175" name="Shape 175"/>
           <p:cNvSpPr txBox="1"/>
           <p:nvPr>
             <p:ph idx="12" type="sldNum"/>
@@ -11944,7 +12654,7 @@
       </p:sp>
       <p:sp>
         <p:nvSpPr>
-          <p:cNvPr id="162" name="Shape 162"/>
+          <p:cNvPr id="176" name="Shape 176"/>
           <p:cNvSpPr txBox="1"/>
           <p:nvPr>
             <p:ph type="ctrTitle"/>
@@ -11958,6 +12668,9 @@
           <a:prstGeom prst="rect">
             <a:avLst/>
           </a:prstGeom>
+          <a:solidFill>
+            <a:srgbClr val="4A86E8"/>
+          </a:solidFill>
         </p:spPr>
         <p:txBody>
           <a:bodyPr anchorCtr="0" anchor="ctr" bIns="91425" lIns="91425" rIns="91425" wrap="square" tIns="91425">
@@ -11965,6 +12678,18 @@
           </a:bodyPr>
           <a:lstStyle/>
           <a:p>
+            <a:pPr lvl="0">
+              <a:spcBef>
+                <a:spcPts val="0"/>
+              </a:spcBef>
+              <a:buNone/>
+            </a:pPr>
+            <a:r>
+              <a:rPr lang="it-IT" sz="3600"/>
+              <a:t>Work in progress: </a:t>
+            </a:r>
+          </a:p>
+          <a:p>
             <a:pPr lvl="0" rtl="0">
               <a:spcBef>
                 <a:spcPts val="0"/>
@@ -11972,15 +12697,15 @@
               <a:buNone/>
             </a:pPr>
             <a:r>
-              <a:rPr lang="it-IT" sz="4800"/>
-              <a:t>Work in progress: un po’ di configurazioni</a:t>
+              <a:rPr lang="it-IT" sz="3600"/>
+              <a:t>un po’ di configurazioni</a:t>
             </a:r>
           </a:p>
         </p:txBody>
       </p:sp>
       <p:sp>
         <p:nvSpPr>
-          <p:cNvPr id="163" name="Shape 163"/>
+          <p:cNvPr id="177" name="Shape 177"/>
           <p:cNvSpPr txBox="1"/>
           <p:nvPr>
             <p:ph idx="1" type="subTitle"/>
@@ -12148,6 +12873,84 @@
           </a:p>
         </p:txBody>
       </p:sp>
+      <p:sp>
+        <p:nvSpPr>
+          <p:cNvPr id="178" name="Shape 178"/>
+          <p:cNvSpPr txBox="1"/>
+          <p:nvPr/>
+        </p:nvSpPr>
+        <p:spPr>
+          <a:xfrm>
+            <a:off x="5319150" y="480812"/>
+            <a:ext cx="3696600" cy="1071900"/>
+          </a:xfrm>
+          <a:prstGeom prst="rect">
+            <a:avLst/>
+          </a:prstGeom>
+          <a:noFill/>
+          <a:ln>
+            <a:noFill/>
+          </a:ln>
+        </p:spPr>
+        <p:txBody>
+          <a:bodyPr anchorCtr="0" anchor="t" bIns="91425" lIns="91425" rIns="91425" wrap="square" tIns="91425">
+            <a:noAutofit/>
+          </a:bodyPr>
+          <a:lstStyle/>
+          <a:p>
+            <a:pPr lvl="0" rtl="0">
+              <a:spcBef>
+                <a:spcPts val="0"/>
+              </a:spcBef>
+              <a:buNone/>
+            </a:pPr>
+            <a:r>
+              <a:rPr b="1" lang="it-IT" sz="2400"/>
+              <a:t>Liferay User Group Italy </a:t>
+            </a:r>
+          </a:p>
+          <a:p>
+            <a:pPr lvl="0" rtl="0">
+              <a:spcBef>
+                <a:spcPts val="0"/>
+              </a:spcBef>
+              <a:buNone/>
+            </a:pPr>
+            <a:r>
+              <a:rPr b="1" lang="it-IT" sz="2400"/>
+              <a:t>#LRUGItaly</a:t>
+            </a:r>
+          </a:p>
+        </p:txBody>
+      </p:sp>
+      <p:pic>
+        <p:nvPicPr>
+          <p:cNvPr descr="2014_liferay_logo.png" id="179" name="Shape 179"/>
+          <p:cNvPicPr preferRelativeResize="0"/>
+          <p:nvPr/>
+        </p:nvPicPr>
+        <p:blipFill>
+          <a:blip r:embed="rId3">
+            <a:alphaModFix/>
+          </a:blip>
+          <a:stretch>
+            <a:fillRect/>
+          </a:stretch>
+        </p:blipFill>
+        <p:spPr>
+          <a:xfrm>
+            <a:off x="3126662" y="6078500"/>
+            <a:ext cx="2888176" cy="662424"/>
+          </a:xfrm>
+          <a:prstGeom prst="rect">
+            <a:avLst/>
+          </a:prstGeom>
+          <a:noFill/>
+          <a:ln>
+            <a:noFill/>
+          </a:ln>
+        </p:spPr>
+      </p:pic>
     </p:spTree>
   </p:cSld>
   <p:clrMapOvr>
@@ -12161,7 +12964,7 @@
   <p:cSld>
     <p:spTree>
       <p:nvGrpSpPr>
-        <p:cNvPr id="168" name="Shape 168"/>
+        <p:cNvPr id="184" name="Shape 184"/>
         <p:cNvGrpSpPr/>
         <p:nvPr/>
       </p:nvGrpSpPr>
@@ -12175,7 +12978,7 @@
       </p:grpSpPr>
       <p:sp>
         <p:nvSpPr>
-          <p:cNvPr id="169" name="Shape 169"/>
+          <p:cNvPr id="185" name="Shape 185"/>
           <p:cNvSpPr txBox="1"/>
           <p:nvPr>
             <p:ph idx="12" type="sldNum"/>
@@ -12211,7 +13014,7 @@
       </p:sp>
       <p:sp>
         <p:nvSpPr>
-          <p:cNvPr id="170" name="Shape 170"/>
+          <p:cNvPr id="186" name="Shape 186"/>
           <p:cNvSpPr txBox="1"/>
           <p:nvPr>
             <p:ph type="ctrTitle"/>
@@ -12225,6 +13028,9 @@
           <a:prstGeom prst="rect">
             <a:avLst/>
           </a:prstGeom>
+          <a:solidFill>
+            <a:srgbClr val="4A86E8"/>
+          </a:solidFill>
         </p:spPr>
         <p:txBody>
           <a:bodyPr anchorCtr="0" anchor="ctr" bIns="91425" lIns="91425" rIns="91425" wrap="square" tIns="91425">
@@ -12232,6 +13038,18 @@
           </a:bodyPr>
           <a:lstStyle/>
           <a:p>
+            <a:pPr lvl="0">
+              <a:spcBef>
+                <a:spcPts val="0"/>
+              </a:spcBef>
+              <a:buNone/>
+            </a:pPr>
+            <a:r>
+              <a:rPr lang="it-IT" sz="4800"/>
+              <a:t>Work in progress: </a:t>
+            </a:r>
+          </a:p>
+          <a:p>
             <a:pPr lvl="0" rtl="0">
               <a:spcBef>
                 <a:spcPts val="0"/>
@@ -12240,14 +13058,14 @@
             </a:pPr>
             <a:r>
               <a:rPr lang="it-IT" sz="4800"/>
-              <a:t>Work in progress: compiliamo</a:t>
+              <a:t>compiliamo</a:t>
             </a:r>
           </a:p>
         </p:txBody>
       </p:sp>
       <p:sp>
         <p:nvSpPr>
-          <p:cNvPr id="171" name="Shape 171"/>
+          <p:cNvPr id="187" name="Shape 187"/>
           <p:cNvSpPr txBox="1"/>
           <p:nvPr>
             <p:ph idx="1" type="subTitle"/>
@@ -12391,6 +13209,84 @@
           </a:p>
         </p:txBody>
       </p:sp>
+      <p:sp>
+        <p:nvSpPr>
+          <p:cNvPr id="188" name="Shape 188"/>
+          <p:cNvSpPr txBox="1"/>
+          <p:nvPr/>
+        </p:nvSpPr>
+        <p:spPr>
+          <a:xfrm>
+            <a:off x="5319150" y="480812"/>
+            <a:ext cx="3696600" cy="1071900"/>
+          </a:xfrm>
+          <a:prstGeom prst="rect">
+            <a:avLst/>
+          </a:prstGeom>
+          <a:noFill/>
+          <a:ln>
+            <a:noFill/>
+          </a:ln>
+        </p:spPr>
+        <p:txBody>
+          <a:bodyPr anchorCtr="0" anchor="t" bIns="91425" lIns="91425" rIns="91425" wrap="square" tIns="91425">
+            <a:noAutofit/>
+          </a:bodyPr>
+          <a:lstStyle/>
+          <a:p>
+            <a:pPr lvl="0" rtl="0">
+              <a:spcBef>
+                <a:spcPts val="0"/>
+              </a:spcBef>
+              <a:buNone/>
+            </a:pPr>
+            <a:r>
+              <a:rPr b="1" lang="it-IT" sz="2400"/>
+              <a:t>Liferay User Group Italy </a:t>
+            </a:r>
+          </a:p>
+          <a:p>
+            <a:pPr lvl="0" rtl="0">
+              <a:spcBef>
+                <a:spcPts val="0"/>
+              </a:spcBef>
+              <a:buNone/>
+            </a:pPr>
+            <a:r>
+              <a:rPr b="1" lang="it-IT" sz="2400"/>
+              <a:t>#LRUGItaly</a:t>
+            </a:r>
+          </a:p>
+        </p:txBody>
+      </p:sp>
+      <p:pic>
+        <p:nvPicPr>
+          <p:cNvPr descr="2014_liferay_logo.png" id="189" name="Shape 189"/>
+          <p:cNvPicPr preferRelativeResize="0"/>
+          <p:nvPr/>
+        </p:nvPicPr>
+        <p:blipFill>
+          <a:blip r:embed="rId3">
+            <a:alphaModFix/>
+          </a:blip>
+          <a:stretch>
+            <a:fillRect/>
+          </a:stretch>
+        </p:blipFill>
+        <p:spPr>
+          <a:xfrm>
+            <a:off x="3126662" y="6078500"/>
+            <a:ext cx="2888176" cy="662424"/>
+          </a:xfrm>
+          <a:prstGeom prst="rect">
+            <a:avLst/>
+          </a:prstGeom>
+          <a:noFill/>
+          <a:ln>
+            <a:noFill/>
+          </a:ln>
+        </p:spPr>
+      </p:pic>
     </p:spTree>
   </p:cSld>
   <p:clrMapOvr>
@@ -12404,7 +13300,7 @@
   <p:cSld>
     <p:spTree>
       <p:nvGrpSpPr>
-        <p:cNvPr id="176" name="Shape 176"/>
+        <p:cNvPr id="194" name="Shape 194"/>
         <p:cNvGrpSpPr/>
         <p:nvPr/>
       </p:nvGrpSpPr>
@@ -12418,7 +13314,7 @@
       </p:grpSpPr>
       <p:sp>
         <p:nvSpPr>
-          <p:cNvPr id="177" name="Shape 177"/>
+          <p:cNvPr id="195" name="Shape 195"/>
           <p:cNvSpPr txBox="1"/>
           <p:nvPr>
             <p:ph idx="12" type="sldNum"/>
@@ -12454,7 +13350,7 @@
       </p:sp>
       <p:sp>
         <p:nvSpPr>
-          <p:cNvPr id="178" name="Shape 178"/>
+          <p:cNvPr id="196" name="Shape 196"/>
           <p:cNvSpPr txBox="1"/>
           <p:nvPr>
             <p:ph type="ctrTitle"/>
@@ -12468,6 +13364,9 @@
           <a:prstGeom prst="rect">
             <a:avLst/>
           </a:prstGeom>
+          <a:solidFill>
+            <a:srgbClr val="4A86E8"/>
+          </a:solidFill>
         </p:spPr>
         <p:txBody>
           <a:bodyPr anchorCtr="0" anchor="ctr" bIns="91425" lIns="91425" rIns="91425" wrap="square" tIns="91425">
@@ -12490,7 +13389,7 @@
       </p:sp>
       <p:sp>
         <p:nvSpPr>
-          <p:cNvPr id="179" name="Shape 179"/>
+          <p:cNvPr id="197" name="Shape 197"/>
           <p:cNvSpPr txBox="1"/>
           <p:nvPr>
             <p:ph idx="1" type="subTitle"/>
@@ -12776,6 +13675,84 @@
           </a:p>
         </p:txBody>
       </p:sp>
+      <p:sp>
+        <p:nvSpPr>
+          <p:cNvPr id="198" name="Shape 198"/>
+          <p:cNvSpPr txBox="1"/>
+          <p:nvPr/>
+        </p:nvSpPr>
+        <p:spPr>
+          <a:xfrm>
+            <a:off x="5319150" y="480812"/>
+            <a:ext cx="3696600" cy="1071900"/>
+          </a:xfrm>
+          <a:prstGeom prst="rect">
+            <a:avLst/>
+          </a:prstGeom>
+          <a:noFill/>
+          <a:ln>
+            <a:noFill/>
+          </a:ln>
+        </p:spPr>
+        <p:txBody>
+          <a:bodyPr anchorCtr="0" anchor="t" bIns="91425" lIns="91425" rIns="91425" wrap="square" tIns="91425">
+            <a:noAutofit/>
+          </a:bodyPr>
+          <a:lstStyle/>
+          <a:p>
+            <a:pPr lvl="0" rtl="0">
+              <a:spcBef>
+                <a:spcPts val="0"/>
+              </a:spcBef>
+              <a:buNone/>
+            </a:pPr>
+            <a:r>
+              <a:rPr b="1" lang="it-IT" sz="2400"/>
+              <a:t>Liferay User Group Italy </a:t>
+            </a:r>
+          </a:p>
+          <a:p>
+            <a:pPr lvl="0" rtl="0">
+              <a:spcBef>
+                <a:spcPts val="0"/>
+              </a:spcBef>
+              <a:buNone/>
+            </a:pPr>
+            <a:r>
+              <a:rPr b="1" lang="it-IT" sz="2400"/>
+              <a:t>#LRUGItaly</a:t>
+            </a:r>
+          </a:p>
+        </p:txBody>
+      </p:sp>
+      <p:pic>
+        <p:nvPicPr>
+          <p:cNvPr descr="2014_liferay_logo.png" id="199" name="Shape 199"/>
+          <p:cNvPicPr preferRelativeResize="0"/>
+          <p:nvPr/>
+        </p:nvPicPr>
+        <p:blipFill>
+          <a:blip r:embed="rId3">
+            <a:alphaModFix/>
+          </a:blip>
+          <a:stretch>
+            <a:fillRect/>
+          </a:stretch>
+        </p:blipFill>
+        <p:spPr>
+          <a:xfrm>
+            <a:off x="3126662" y="6078500"/>
+            <a:ext cx="2888176" cy="662424"/>
+          </a:xfrm>
+          <a:prstGeom prst="rect">
+            <a:avLst/>
+          </a:prstGeom>
+          <a:noFill/>
+          <a:ln>
+            <a:noFill/>
+          </a:ln>
+        </p:spPr>
+      </p:pic>
     </p:spTree>
   </p:cSld>
   <p:clrMapOvr>
@@ -12785,6 +13762,285 @@
 </file>
 
 <file path=ppt/theme/theme1.xml><?xml version="1.0" encoding="utf-8"?>
+<a:theme xmlns:a="http://schemas.openxmlformats.org/drawingml/2006/main" xmlns:r="http://schemas.openxmlformats.org/officeDocument/2006/relationships" name="Custom Theme">
+  <a:themeElements>
+    <a:clrScheme name="Default">
+      <a:dk1>
+        <a:srgbClr val="000000"/>
+      </a:dk1>
+      <a:lt1>
+        <a:srgbClr val="FFFFFF"/>
+      </a:lt1>
+      <a:dk2>
+        <a:srgbClr val="158158"/>
+      </a:dk2>
+      <a:lt2>
+        <a:srgbClr val="F3F3F3"/>
+      </a:lt2>
+      <a:accent1>
+        <a:srgbClr val="058DC7"/>
+      </a:accent1>
+      <a:accent2>
+        <a:srgbClr val="50B432"/>
+      </a:accent2>
+      <a:accent3>
+        <a:srgbClr val="ED561B"/>
+      </a:accent3>
+      <a:accent4>
+        <a:srgbClr val="EDEF00"/>
+      </a:accent4>
+      <a:accent5>
+        <a:srgbClr val="24CBE5"/>
+      </a:accent5>
+      <a:accent6>
+        <a:srgbClr val="64E572"/>
+      </a:accent6>
+      <a:hlink>
+        <a:srgbClr val="2200CC"/>
+      </a:hlink>
+      <a:folHlink>
+        <a:srgbClr val="551A8B"/>
+      </a:folHlink>
+    </a:clrScheme>
+    <a:fontScheme name="Office">
+      <a:majorFont>
+        <a:latin typeface="Arial"/>
+        <a:ea typeface=""/>
+        <a:cs typeface=""/>
+        <a:font script="Jpan" typeface="ＭＳ Ｐゴシック"/>
+        <a:font script="Hang" typeface="맑은 고딕"/>
+        <a:font script="Hans" typeface="宋体"/>
+        <a:font script="Hant" typeface="新細明體"/>
+        <a:font script="Arab" typeface="Times New Roman"/>
+        <a:font script="Hebr" typeface="Times New Roman"/>
+        <a:font script="Thai" typeface="Angsana New"/>
+        <a:font script="Ethi" typeface="Nyala"/>
+        <a:font script="Beng" typeface="Vrinda"/>
+        <a:font script="Gujr" typeface="Shruti"/>
+        <a:font script="Khmr" typeface="MoolBoran"/>
+        <a:font script="Knda" typeface="Tunga"/>
+        <a:font script="Guru" typeface="Raavi"/>
+        <a:font script="Cans" typeface="Euphemia"/>
+        <a:font script="Cher" typeface="Plantagenet Cherokee"/>
+        <a:font script="Yiii" typeface="Microsoft Yi Baiti"/>
+        <a:font script="Tibt" typeface="Microsoft Himalaya"/>
+        <a:font script="Thaa" typeface="MV Boli"/>
+        <a:font script="Deva" typeface="Mangal"/>
+        <a:font script="Telu" typeface="Gautami"/>
+        <a:font script="Taml" typeface="Latha"/>
+        <a:font script="Syrc" typeface="Estrangelo Edessa"/>
+        <a:font script="Orya" typeface="Kalinga"/>
+        <a:font script="Mlym" typeface="Kartika"/>
+        <a:font script="Laoo" typeface="DokChampa"/>
+        <a:font script="Sinh" typeface="Iskoola Pota"/>
+        <a:font script="Mong" typeface="Mongolian Baiti"/>
+        <a:font script="Viet" typeface="Times New Roman"/>
+        <a:font script="Uigh" typeface="Microsoft Uighur"/>
+        <a:font script="Geor" typeface="Sylfaen"/>
+      </a:majorFont>
+      <a:minorFont>
+        <a:latin typeface="Arial"/>
+        <a:ea typeface=""/>
+        <a:cs typeface=""/>
+        <a:font script="Jpan" typeface="ＭＳ Ｐゴシック"/>
+        <a:font script="Hang" typeface="맑은 고딕"/>
+        <a:font script="Hans" typeface="宋体"/>
+        <a:font script="Hant" typeface="新細明體"/>
+        <a:font script="Arab" typeface="Arial"/>
+        <a:font script="Hebr" typeface="Arial"/>
+        <a:font script="Thai" typeface="Cordia New"/>
+        <a:font script="Ethi" typeface="Nyala"/>
+        <a:font script="Beng" typeface="Vrinda"/>
+        <a:font script="Gujr" typeface="Shruti"/>
+        <a:font script="Khmr" typeface="DaunPenh"/>
+        <a:font script="Knda" typeface="Tunga"/>
+        <a:font script="Guru" typeface="Raavi"/>
+        <a:font script="Cans" typeface="Euphemia"/>
+        <a:font script="Cher" typeface="Plantagenet Cherokee"/>
+        <a:font script="Yiii" typeface="Microsoft Yi Baiti"/>
+        <a:font script="Tibt" typeface="Microsoft Himalaya"/>
+        <a:font script="Thaa" typeface="MV Boli"/>
+        <a:font script="Deva" typeface="Mangal"/>
+        <a:font script="Telu" typeface="Gautami"/>
+        <a:font script="Taml" typeface="Latha"/>
+        <a:font script="Syrc" typeface="Estrangelo Edessa"/>
+        <a:font script="Orya" typeface="Kalinga"/>
+        <a:font script="Mlym" typeface="Kartika"/>
+        <a:font script="Laoo" typeface="DokChampa"/>
+        <a:font script="Sinh" typeface="Iskoola Pota"/>
+        <a:font script="Mong" typeface="Mongolian Baiti"/>
+        <a:font script="Viet" typeface="Arial"/>
+        <a:font script="Uigh" typeface="Microsoft Uighur"/>
+        <a:font script="Geor" typeface="Sylfaen"/>
+      </a:minorFont>
+    </a:fontScheme>
+    <a:fmtScheme name="Office">
+      <a:fillStyleLst>
+        <a:solidFill>
+          <a:schemeClr val="phClr"/>
+        </a:solidFill>
+        <a:gradFill rotWithShape="1">
+          <a:gsLst>
+            <a:gs pos="0">
+              <a:schemeClr val="phClr">
+                <a:tint val="50000"/>
+                <a:satMod val="300000"/>
+              </a:schemeClr>
+            </a:gs>
+            <a:gs pos="35000">
+              <a:schemeClr val="phClr">
+                <a:tint val="37000"/>
+                <a:satMod val="300000"/>
+              </a:schemeClr>
+            </a:gs>
+            <a:gs pos="100000">
+              <a:schemeClr val="phClr">
+                <a:tint val="15000"/>
+                <a:satMod val="350000"/>
+              </a:schemeClr>
+            </a:gs>
+          </a:gsLst>
+          <a:lin ang="16200000" scaled="1"/>
+        </a:gradFill>
+        <a:gradFill rotWithShape="1">
+          <a:gsLst>
+            <a:gs pos="0">
+              <a:schemeClr val="phClr">
+                <a:tint val="100000"/>
+                <a:shade val="100000"/>
+                <a:satMod val="130000"/>
+              </a:schemeClr>
+            </a:gs>
+            <a:gs pos="100000">
+              <a:schemeClr val="phClr">
+                <a:tint val="50000"/>
+                <a:shade val="100000"/>
+                <a:satMod val="350000"/>
+              </a:schemeClr>
+            </a:gs>
+          </a:gsLst>
+          <a:lin ang="16200000" scaled="0"/>
+        </a:gradFill>
+      </a:fillStyleLst>
+      <a:lnStyleLst>
+        <a:ln w="9525" cap="flat" cmpd="sng" algn="ctr">
+          <a:solidFill>
+            <a:schemeClr val="phClr">
+              <a:shade val="95000"/>
+              <a:satMod val="105000"/>
+            </a:schemeClr>
+          </a:solidFill>
+          <a:prstDash val="solid"/>
+        </a:ln>
+        <a:ln w="25400" cap="flat" cmpd="sng" algn="ctr">
+          <a:solidFill>
+            <a:schemeClr val="phClr"/>
+          </a:solidFill>
+          <a:prstDash val="solid"/>
+        </a:ln>
+        <a:ln w="38100" cap="flat" cmpd="sng" algn="ctr">
+          <a:solidFill>
+            <a:schemeClr val="phClr"/>
+          </a:solidFill>
+          <a:prstDash val="solid"/>
+        </a:ln>
+      </a:lnStyleLst>
+      <a:effectStyleLst>
+        <a:effectStyle>
+          <a:effectLst>
+            <a:outerShdw blurRad="40000" dist="20000" dir="5400000" rotWithShape="0">
+              <a:srgbClr val="000000">
+                <a:alpha val="38000"/>
+              </a:srgbClr>
+            </a:outerShdw>
+          </a:effectLst>
+        </a:effectStyle>
+        <a:effectStyle>
+          <a:effectLst>
+            <a:outerShdw blurRad="40000" dist="23000" dir="5400000" rotWithShape="0">
+              <a:srgbClr val="000000">
+                <a:alpha val="35000"/>
+              </a:srgbClr>
+            </a:outerShdw>
+          </a:effectLst>
+        </a:effectStyle>
+        <a:effectStyle>
+          <a:effectLst>
+            <a:outerShdw blurRad="40000" dist="23000" dir="5400000" rotWithShape="0">
+              <a:srgbClr val="000000">
+                <a:alpha val="35000"/>
+              </a:srgbClr>
+            </a:outerShdw>
+          </a:effectLst>
+          <a:scene3d>
+            <a:camera prst="orthographicFront">
+              <a:rot lat="0" lon="0" rev="0"/>
+            </a:camera>
+            <a:lightRig rig="threePt" dir="t">
+              <a:rot lat="0" lon="0" rev="1200000"/>
+            </a:lightRig>
+          </a:scene3d>
+          <a:sp3d>
+            <a:bevelT w="63500" h="25400"/>
+          </a:sp3d>
+        </a:effectStyle>
+      </a:effectStyleLst>
+      <a:bgFillStyleLst>
+        <a:solidFill>
+          <a:schemeClr val="phClr"/>
+        </a:solidFill>
+        <a:gradFill rotWithShape="1">
+          <a:gsLst>
+            <a:gs pos="0">
+              <a:schemeClr val="phClr">
+                <a:tint val="40000"/>
+                <a:satMod val="350000"/>
+              </a:schemeClr>
+            </a:gs>
+            <a:gs pos="40000">
+              <a:schemeClr val="phClr">
+                <a:tint val="45000"/>
+                <a:shade val="99000"/>
+                <a:satMod val="350000"/>
+              </a:schemeClr>
+            </a:gs>
+            <a:gs pos="100000">
+              <a:schemeClr val="phClr">
+                <a:shade val="20000"/>
+                <a:satMod val="255000"/>
+              </a:schemeClr>
+            </a:gs>
+          </a:gsLst>
+          <a:path path="circle">
+            <a:fillToRect l="50000" t="-80000" r="50000" b="180000"/>
+          </a:path>
+        </a:gradFill>
+        <a:gradFill rotWithShape="1">
+          <a:gsLst>
+            <a:gs pos="0">
+              <a:schemeClr val="phClr">
+                <a:tint val="80000"/>
+                <a:satMod val="300000"/>
+              </a:schemeClr>
+            </a:gs>
+            <a:gs pos="100000">
+              <a:schemeClr val="phClr">
+                <a:shade val="30000"/>
+                <a:satMod val="200000"/>
+              </a:schemeClr>
+            </a:gs>
+          </a:gsLst>
+          <a:path path="circle">
+            <a:fillToRect l="50000" t="50000" r="50000" b="50000"/>
+          </a:path>
+        </a:gradFill>
+      </a:bgFillStyleLst>
+    </a:fmtScheme>
+  </a:themeElements>
+</a:theme>
+</file>
+
+<file path=ppt/theme/theme2.xml><?xml version="1.0" encoding="utf-8"?>
 <a:theme xmlns:a="http://schemas.openxmlformats.org/drawingml/2006/main" xmlns:r="http://schemas.openxmlformats.org/officeDocument/2006/relationships" name="Tema di Office">
   <a:themeElements>
     <a:clrScheme name="Personalizzato 1">
@@ -13061,283 +14317,4 @@
     </a:fmtScheme>
   </a:themeElements>
 </a:theme>
-</file>
-
-<file path=ppt/theme/theme2.xml><?xml version="1.0" encoding="utf-8"?>
-<a:theme xmlns:a="http://schemas.openxmlformats.org/drawingml/2006/main" xmlns:r="http://schemas.openxmlformats.org/officeDocument/2006/relationships" name="Custom Theme">
-  <a:themeElements>
-    <a:clrScheme name="Default">
-      <a:dk1>
-        <a:srgbClr val="000000"/>
-      </a:dk1>
-      <a:lt1>
-        <a:srgbClr val="FFFFFF"/>
-      </a:lt1>
-      <a:dk2>
-        <a:srgbClr val="158158"/>
-      </a:dk2>
-      <a:lt2>
-        <a:srgbClr val="F3F3F3"/>
-      </a:lt2>
-      <a:accent1>
-        <a:srgbClr val="058DC7"/>
-      </a:accent1>
-      <a:accent2>
-        <a:srgbClr val="50B432"/>
-      </a:accent2>
-      <a:accent3>
-        <a:srgbClr val="ED561B"/>
-      </a:accent3>
-      <a:accent4>
-        <a:srgbClr val="EDEF00"/>
-      </a:accent4>
-      <a:accent5>
-        <a:srgbClr val="24CBE5"/>
-      </a:accent5>
-      <a:accent6>
-        <a:srgbClr val="64E572"/>
-      </a:accent6>
-      <a:hlink>
-        <a:srgbClr val="2200CC"/>
-      </a:hlink>
-      <a:folHlink>
-        <a:srgbClr val="551A8B"/>
-      </a:folHlink>
-    </a:clrScheme>
-    <a:fontScheme name="Office">
-      <a:majorFont>
-        <a:latin typeface="Arial"/>
-        <a:ea typeface=""/>
-        <a:cs typeface=""/>
-        <a:font script="Jpan" typeface="ＭＳ Ｐゴシック"/>
-        <a:font script="Hang" typeface="맑은 고딕"/>
-        <a:font script="Hans" typeface="宋体"/>
-        <a:font script="Hant" typeface="新細明體"/>
-        <a:font script="Arab" typeface="Times New Roman"/>
-        <a:font script="Hebr" typeface="Times New Roman"/>
-        <a:font script="Thai" typeface="Angsana New"/>
-        <a:font script="Ethi" typeface="Nyala"/>
-        <a:font script="Beng" typeface="Vrinda"/>
-        <a:font script="Gujr" typeface="Shruti"/>
-        <a:font script="Khmr" typeface="MoolBoran"/>
-        <a:font script="Knda" typeface="Tunga"/>
-        <a:font script="Guru" typeface="Raavi"/>
-        <a:font script="Cans" typeface="Euphemia"/>
-        <a:font script="Cher" typeface="Plantagenet Cherokee"/>
-        <a:font script="Yiii" typeface="Microsoft Yi Baiti"/>
-        <a:font script="Tibt" typeface="Microsoft Himalaya"/>
-        <a:font script="Thaa" typeface="MV Boli"/>
-        <a:font script="Deva" typeface="Mangal"/>
-        <a:font script="Telu" typeface="Gautami"/>
-        <a:font script="Taml" typeface="Latha"/>
-        <a:font script="Syrc" typeface="Estrangelo Edessa"/>
-        <a:font script="Orya" typeface="Kalinga"/>
-        <a:font script="Mlym" typeface="Kartika"/>
-        <a:font script="Laoo" typeface="DokChampa"/>
-        <a:font script="Sinh" typeface="Iskoola Pota"/>
-        <a:font script="Mong" typeface="Mongolian Baiti"/>
-        <a:font script="Viet" typeface="Times New Roman"/>
-        <a:font script="Uigh" typeface="Microsoft Uighur"/>
-        <a:font script="Geor" typeface="Sylfaen"/>
-      </a:majorFont>
-      <a:minorFont>
-        <a:latin typeface="Arial"/>
-        <a:ea typeface=""/>
-        <a:cs typeface=""/>
-        <a:font script="Jpan" typeface="ＭＳ Ｐゴシック"/>
-        <a:font script="Hang" typeface="맑은 고딕"/>
-        <a:font script="Hans" typeface="宋体"/>
-        <a:font script="Hant" typeface="新細明體"/>
-        <a:font script="Arab" typeface="Arial"/>
-        <a:font script="Hebr" typeface="Arial"/>
-        <a:font script="Thai" typeface="Cordia New"/>
-        <a:font script="Ethi" typeface="Nyala"/>
-        <a:font script="Beng" typeface="Vrinda"/>
-        <a:font script="Gujr" typeface="Shruti"/>
-        <a:font script="Khmr" typeface="DaunPenh"/>
-        <a:font script="Knda" typeface="Tunga"/>
-        <a:font script="Guru" typeface="Raavi"/>
-        <a:font script="Cans" typeface="Euphemia"/>
-        <a:font script="Cher" typeface="Plantagenet Cherokee"/>
-        <a:font script="Yiii" typeface="Microsoft Yi Baiti"/>
-        <a:font script="Tibt" typeface="Microsoft Himalaya"/>
-        <a:font script="Thaa" typeface="MV Boli"/>
-        <a:font script="Deva" typeface="Mangal"/>
-        <a:font script="Telu" typeface="Gautami"/>
-        <a:font script="Taml" typeface="Latha"/>
-        <a:font script="Syrc" typeface="Estrangelo Edessa"/>
-        <a:font script="Orya" typeface="Kalinga"/>
-        <a:font script="Mlym" typeface="Kartika"/>
-        <a:font script="Laoo" typeface="DokChampa"/>
-        <a:font script="Sinh" typeface="Iskoola Pota"/>
-        <a:font script="Mong" typeface="Mongolian Baiti"/>
-        <a:font script="Viet" typeface="Arial"/>
-        <a:font script="Uigh" typeface="Microsoft Uighur"/>
-        <a:font script="Geor" typeface="Sylfaen"/>
-      </a:minorFont>
-    </a:fontScheme>
-    <a:fmtScheme name="Office">
-      <a:fillStyleLst>
-        <a:solidFill>
-          <a:schemeClr val="phClr"/>
-        </a:solidFill>
-        <a:gradFill rotWithShape="1">
-          <a:gsLst>
-            <a:gs pos="0">
-              <a:schemeClr val="phClr">
-                <a:tint val="50000"/>
-                <a:satMod val="300000"/>
-              </a:schemeClr>
-            </a:gs>
-            <a:gs pos="35000">
-              <a:schemeClr val="phClr">
-                <a:tint val="37000"/>
-                <a:satMod val="300000"/>
-              </a:schemeClr>
-            </a:gs>
-            <a:gs pos="100000">
-              <a:schemeClr val="phClr">
-                <a:tint val="15000"/>
-                <a:satMod val="350000"/>
-              </a:schemeClr>
-            </a:gs>
-          </a:gsLst>
-          <a:lin ang="16200000" scaled="1"/>
-        </a:gradFill>
-        <a:gradFill rotWithShape="1">
-          <a:gsLst>
-            <a:gs pos="0">
-              <a:schemeClr val="phClr">
-                <a:tint val="100000"/>
-                <a:shade val="100000"/>
-                <a:satMod val="130000"/>
-              </a:schemeClr>
-            </a:gs>
-            <a:gs pos="100000">
-              <a:schemeClr val="phClr">
-                <a:tint val="50000"/>
-                <a:shade val="100000"/>
-                <a:satMod val="350000"/>
-              </a:schemeClr>
-            </a:gs>
-          </a:gsLst>
-          <a:lin ang="16200000" scaled="0"/>
-        </a:gradFill>
-      </a:fillStyleLst>
-      <a:lnStyleLst>
-        <a:ln w="9525" cap="flat" cmpd="sng" algn="ctr">
-          <a:solidFill>
-            <a:schemeClr val="phClr">
-              <a:shade val="95000"/>
-              <a:satMod val="105000"/>
-            </a:schemeClr>
-          </a:solidFill>
-          <a:prstDash val="solid"/>
-        </a:ln>
-        <a:ln w="25400" cap="flat" cmpd="sng" algn="ctr">
-          <a:solidFill>
-            <a:schemeClr val="phClr"/>
-          </a:solidFill>
-          <a:prstDash val="solid"/>
-        </a:ln>
-        <a:ln w="38100" cap="flat" cmpd="sng" algn="ctr">
-          <a:solidFill>
-            <a:schemeClr val="phClr"/>
-          </a:solidFill>
-          <a:prstDash val="solid"/>
-        </a:ln>
-      </a:lnStyleLst>
-      <a:effectStyleLst>
-        <a:effectStyle>
-          <a:effectLst>
-            <a:outerShdw blurRad="40000" dist="20000" dir="5400000" rotWithShape="0">
-              <a:srgbClr val="000000">
-                <a:alpha val="38000"/>
-              </a:srgbClr>
-            </a:outerShdw>
-          </a:effectLst>
-        </a:effectStyle>
-        <a:effectStyle>
-          <a:effectLst>
-            <a:outerShdw blurRad="40000" dist="23000" dir="5400000" rotWithShape="0">
-              <a:srgbClr val="000000">
-                <a:alpha val="35000"/>
-              </a:srgbClr>
-            </a:outerShdw>
-          </a:effectLst>
-        </a:effectStyle>
-        <a:effectStyle>
-          <a:effectLst>
-            <a:outerShdw blurRad="40000" dist="23000" dir="5400000" rotWithShape="0">
-              <a:srgbClr val="000000">
-                <a:alpha val="35000"/>
-              </a:srgbClr>
-            </a:outerShdw>
-          </a:effectLst>
-          <a:scene3d>
-            <a:camera prst="orthographicFront">
-              <a:rot lat="0" lon="0" rev="0"/>
-            </a:camera>
-            <a:lightRig rig="threePt" dir="t">
-              <a:rot lat="0" lon="0" rev="1200000"/>
-            </a:lightRig>
-          </a:scene3d>
-          <a:sp3d>
-            <a:bevelT w="63500" h="25400"/>
-          </a:sp3d>
-        </a:effectStyle>
-      </a:effectStyleLst>
-      <a:bgFillStyleLst>
-        <a:solidFill>
-          <a:schemeClr val="phClr"/>
-        </a:solidFill>
-        <a:gradFill rotWithShape="1">
-          <a:gsLst>
-            <a:gs pos="0">
-              <a:schemeClr val="phClr">
-                <a:tint val="40000"/>
-                <a:satMod val="350000"/>
-              </a:schemeClr>
-            </a:gs>
-            <a:gs pos="40000">
-              <a:schemeClr val="phClr">
-                <a:tint val="45000"/>
-                <a:shade val="99000"/>
-                <a:satMod val="350000"/>
-              </a:schemeClr>
-            </a:gs>
-            <a:gs pos="100000">
-              <a:schemeClr val="phClr">
-                <a:shade val="20000"/>
-                <a:satMod val="255000"/>
-              </a:schemeClr>
-            </a:gs>
-          </a:gsLst>
-          <a:path path="circle">
-            <a:fillToRect l="50000" t="-80000" r="50000" b="180000"/>
-          </a:path>
-        </a:gradFill>
-        <a:gradFill rotWithShape="1">
-          <a:gsLst>
-            <a:gs pos="0">
-              <a:schemeClr val="phClr">
-                <a:tint val="80000"/>
-                <a:satMod val="300000"/>
-              </a:schemeClr>
-            </a:gs>
-            <a:gs pos="100000">
-              <a:schemeClr val="phClr">
-                <a:shade val="30000"/>
-                <a:satMod val="200000"/>
-              </a:schemeClr>
-            </a:gs>
-          </a:gsLst>
-          <a:path path="circle">
-            <a:fillToRect l="50000" t="50000" r="50000" b="50000"/>
-          </a:path>
-        </a:gradFill>
-      </a:bgFillStyleLst>
-    </a:fmtScheme>
-  </a:themeElements>
-</a:theme>
 </file>